--- a/La retractibilité.pptx
+++ b/La retractibilité.pptx
@@ -2,15 +2,20 @@
 <file path=ppt/presentation.xml><?xml version="1.0" encoding="utf-8"?>
 <p:presentation xmlns:a="http://schemas.openxmlformats.org/drawingml/2006/main" xmlns:r="http://schemas.openxmlformats.org/officeDocument/2006/relationships" xmlns:p="http://schemas.openxmlformats.org/presentationml/2006/main" saveSubsetFonts="1">
   <p:sldMasterIdLst>
-    <p:sldMasterId id="2147483660" r:id="rId1"/>
+    <p:sldMasterId id="2147483672" r:id="rId1"/>
   </p:sldMasterIdLst>
+  <p:notesMasterIdLst>
+    <p:notesMasterId r:id="rId4"/>
+  </p:notesMasterIdLst>
+  <p:handoutMasterIdLst>
+    <p:handoutMasterId r:id="rId5"/>
+  </p:handoutMasterIdLst>
   <p:sldIdLst>
     <p:sldId id="256" r:id="rId2"/>
     <p:sldId id="258" r:id="rId3"/>
-    <p:sldId id="259" r:id="rId4"/>
   </p:sldIdLst>
-  <p:sldSz cx="7559675" cy="10439400"/>
-  <p:notesSz cx="6858000" cy="9144000"/>
+  <p:sldSz cx="7199313" cy="10080625"/>
+  <p:notesSz cx="6797675" cy="9926638"/>
   <p:defaultTextStyle>
     <a:defPPr>
       <a:defRPr lang="en-US"/>
@@ -108,10 +113,538 @@
   </p:defaultTextStyle>
   <p:extLst>
     <p:ext uri="{EFAFB233-063F-42B5-8137-9DF3F51BA10A}">
-      <p15:sldGuideLst xmlns:p15="http://schemas.microsoft.com/office/powerpoint/2012/main"/>
+      <p15:sldGuideLst xmlns:p15="http://schemas.microsoft.com/office/powerpoint/2012/main">
+        <p15:guide id="1" orient="horz" pos="3175" userDrawn="1">
+          <p15:clr>
+            <a:srgbClr val="A4A3A4"/>
+          </p15:clr>
+        </p15:guide>
+        <p15:guide id="2" pos="2267" userDrawn="1">
+          <p15:clr>
+            <a:srgbClr val="A4A3A4"/>
+          </p15:clr>
+        </p15:guide>
+      </p15:sldGuideLst>
     </p:ext>
   </p:extLst>
 </p:presentation>
+</file>
+
+<file path=ppt/handoutMasters/handoutMaster1.xml><?xml version="1.0" encoding="utf-8"?>
+<p:handoutMaster xmlns:a="http://schemas.openxmlformats.org/drawingml/2006/main" xmlns:r="http://schemas.openxmlformats.org/officeDocument/2006/relationships" xmlns:p="http://schemas.openxmlformats.org/presentationml/2006/main">
+  <p:cSld>
+    <p:bg>
+      <p:bgRef idx="1001">
+        <a:schemeClr val="bg1"/>
+      </p:bgRef>
+    </p:bg>
+    <p:spTree>
+      <p:nvGrpSpPr>
+        <p:cNvPr id="1" name=""/>
+        <p:cNvGrpSpPr/>
+        <p:nvPr/>
+      </p:nvGrpSpPr>
+      <p:grpSpPr>
+        <a:xfrm>
+          <a:off x="0" y="0"/>
+          <a:ext cx="0" cy="0"/>
+          <a:chOff x="0" y="0"/>
+          <a:chExt cx="0" cy="0"/>
+        </a:xfrm>
+      </p:grpSpPr>
+      <p:sp>
+        <p:nvSpPr>
+          <p:cNvPr id="2" name="Header Placeholder 1"/>
+          <p:cNvSpPr>
+            <a:spLocks noGrp="1"/>
+          </p:cNvSpPr>
+          <p:nvPr>
+            <p:ph type="hdr" sz="quarter"/>
+          </p:nvPr>
+        </p:nvSpPr>
+        <p:spPr>
+          <a:xfrm>
+            <a:off x="0" y="0"/>
+            <a:ext cx="2945659" cy="498056"/>
+          </a:xfrm>
+          <a:prstGeom prst="rect">
+            <a:avLst/>
+          </a:prstGeom>
+        </p:spPr>
+        <p:txBody>
+          <a:bodyPr vert="horz" lIns="91440" tIns="45720" rIns="91440" bIns="45720" rtlCol="0"/>
+          <a:lstStyle>
+            <a:lvl1pPr algn="l">
+              <a:defRPr sz="1200"/>
+            </a:lvl1pPr>
+          </a:lstStyle>
+          <a:p>
+            <a:endParaRPr lang="fr-FR"/>
+          </a:p>
+        </p:txBody>
+      </p:sp>
+      <p:sp>
+        <p:nvSpPr>
+          <p:cNvPr id="3" name="Date Placeholder 2"/>
+          <p:cNvSpPr>
+            <a:spLocks noGrp="1"/>
+          </p:cNvSpPr>
+          <p:nvPr>
+            <p:ph type="dt" sz="quarter" idx="1"/>
+          </p:nvPr>
+        </p:nvSpPr>
+        <p:spPr>
+          <a:xfrm>
+            <a:off x="3850443" y="0"/>
+            <a:ext cx="2945659" cy="498056"/>
+          </a:xfrm>
+          <a:prstGeom prst="rect">
+            <a:avLst/>
+          </a:prstGeom>
+        </p:spPr>
+        <p:txBody>
+          <a:bodyPr vert="horz" lIns="91440" tIns="45720" rIns="91440" bIns="45720" rtlCol="0"/>
+          <a:lstStyle>
+            <a:lvl1pPr algn="r">
+              <a:defRPr sz="1200"/>
+            </a:lvl1pPr>
+          </a:lstStyle>
+          <a:p>
+            <a:fld id="{1AE5F205-9F92-4364-BB27-9D702E108BBF}" type="datetimeFigureOut">
+              <a:rPr lang="fr-FR" smtClean="0"/>
+              <a:t>31/03/2024</a:t>
+            </a:fld>
+            <a:endParaRPr lang="fr-FR"/>
+          </a:p>
+        </p:txBody>
+      </p:sp>
+      <p:sp>
+        <p:nvSpPr>
+          <p:cNvPr id="4" name="Footer Placeholder 3"/>
+          <p:cNvSpPr>
+            <a:spLocks noGrp="1"/>
+          </p:cNvSpPr>
+          <p:nvPr>
+            <p:ph type="ftr" sz="quarter" idx="2"/>
+          </p:nvPr>
+        </p:nvSpPr>
+        <p:spPr>
+          <a:xfrm>
+            <a:off x="0" y="9428584"/>
+            <a:ext cx="2945659" cy="498055"/>
+          </a:xfrm>
+          <a:prstGeom prst="rect">
+            <a:avLst/>
+          </a:prstGeom>
+        </p:spPr>
+        <p:txBody>
+          <a:bodyPr vert="horz" lIns="91440" tIns="45720" rIns="91440" bIns="45720" rtlCol="0" anchor="b"/>
+          <a:lstStyle>
+            <a:lvl1pPr algn="l">
+              <a:defRPr sz="1200"/>
+            </a:lvl1pPr>
+          </a:lstStyle>
+          <a:p>
+            <a:endParaRPr lang="fr-FR"/>
+          </a:p>
+        </p:txBody>
+      </p:sp>
+      <p:sp>
+        <p:nvSpPr>
+          <p:cNvPr id="5" name="Slide Number Placeholder 4"/>
+          <p:cNvSpPr>
+            <a:spLocks noGrp="1"/>
+          </p:cNvSpPr>
+          <p:nvPr>
+            <p:ph type="sldNum" sz="quarter" idx="3"/>
+          </p:nvPr>
+        </p:nvSpPr>
+        <p:spPr>
+          <a:xfrm>
+            <a:off x="3850443" y="9428584"/>
+            <a:ext cx="2945659" cy="498055"/>
+          </a:xfrm>
+          <a:prstGeom prst="rect">
+            <a:avLst/>
+          </a:prstGeom>
+        </p:spPr>
+        <p:txBody>
+          <a:bodyPr vert="horz" lIns="91440" tIns="45720" rIns="91440" bIns="45720" rtlCol="0" anchor="b"/>
+          <a:lstStyle>
+            <a:lvl1pPr algn="r">
+              <a:defRPr sz="1200"/>
+            </a:lvl1pPr>
+          </a:lstStyle>
+          <a:p>
+            <a:fld id="{B87C20D0-FD4E-4B22-A7D5-9269F0E6D6B2}" type="slidenum">
+              <a:rPr lang="fr-FR" smtClean="0"/>
+              <a:t>‹#›</a:t>
+            </a:fld>
+            <a:endParaRPr lang="fr-FR"/>
+          </a:p>
+        </p:txBody>
+      </p:sp>
+    </p:spTree>
+    <p:extLst>
+      <p:ext uri="{BB962C8B-B14F-4D97-AF65-F5344CB8AC3E}">
+        <p14:creationId xmlns:p14="http://schemas.microsoft.com/office/powerpoint/2010/main" val="1064488758"/>
+      </p:ext>
+    </p:extLst>
+  </p:cSld>
+  <p:clrMap bg1="lt1" tx1="dk1" bg2="lt2" tx2="dk2" accent1="accent1" accent2="accent2" accent3="accent3" accent4="accent4" accent5="accent5" accent6="accent6" hlink="hlink" folHlink="folHlink"/>
+  <p:hf sldNum="0" hdr="0" ftr="0" dt="0"/>
+</p:handoutMaster>
+</file>
+
+<file path=ppt/notesMasters/notesMaster1.xml><?xml version="1.0" encoding="utf-8"?>
+<p:notesMaster xmlns:a="http://schemas.openxmlformats.org/drawingml/2006/main" xmlns:r="http://schemas.openxmlformats.org/officeDocument/2006/relationships" xmlns:p="http://schemas.openxmlformats.org/presentationml/2006/main">
+  <p:cSld>
+    <p:bg>
+      <p:bgRef idx="1001">
+        <a:schemeClr val="bg1"/>
+      </p:bgRef>
+    </p:bg>
+    <p:spTree>
+      <p:nvGrpSpPr>
+        <p:cNvPr id="1" name=""/>
+        <p:cNvGrpSpPr/>
+        <p:nvPr/>
+      </p:nvGrpSpPr>
+      <p:grpSpPr>
+        <a:xfrm>
+          <a:off x="0" y="0"/>
+          <a:ext cx="0" cy="0"/>
+          <a:chOff x="0" y="0"/>
+          <a:chExt cx="0" cy="0"/>
+        </a:xfrm>
+      </p:grpSpPr>
+      <p:sp>
+        <p:nvSpPr>
+          <p:cNvPr id="2" name="Header Placeholder 1"/>
+          <p:cNvSpPr>
+            <a:spLocks noGrp="1"/>
+          </p:cNvSpPr>
+          <p:nvPr>
+            <p:ph type="hdr" sz="quarter"/>
+          </p:nvPr>
+        </p:nvSpPr>
+        <p:spPr>
+          <a:xfrm>
+            <a:off x="0" y="0"/>
+            <a:ext cx="2945659" cy="498056"/>
+          </a:xfrm>
+          <a:prstGeom prst="rect">
+            <a:avLst/>
+          </a:prstGeom>
+        </p:spPr>
+        <p:txBody>
+          <a:bodyPr vert="horz" lIns="91440" tIns="45720" rIns="91440" bIns="45720" rtlCol="0"/>
+          <a:lstStyle>
+            <a:lvl1pPr algn="l">
+              <a:defRPr sz="1200"/>
+            </a:lvl1pPr>
+          </a:lstStyle>
+          <a:p>
+            <a:endParaRPr lang="fr-FR"/>
+          </a:p>
+        </p:txBody>
+      </p:sp>
+      <p:sp>
+        <p:nvSpPr>
+          <p:cNvPr id="3" name="Date Placeholder 2"/>
+          <p:cNvSpPr>
+            <a:spLocks noGrp="1"/>
+          </p:cNvSpPr>
+          <p:nvPr>
+            <p:ph type="dt" idx="1"/>
+          </p:nvPr>
+        </p:nvSpPr>
+        <p:spPr>
+          <a:xfrm>
+            <a:off x="3850443" y="0"/>
+            <a:ext cx="2945659" cy="498056"/>
+          </a:xfrm>
+          <a:prstGeom prst="rect">
+            <a:avLst/>
+          </a:prstGeom>
+        </p:spPr>
+        <p:txBody>
+          <a:bodyPr vert="horz" lIns="91440" tIns="45720" rIns="91440" bIns="45720" rtlCol="0"/>
+          <a:lstStyle>
+            <a:lvl1pPr algn="r">
+              <a:defRPr sz="1200"/>
+            </a:lvl1pPr>
+          </a:lstStyle>
+          <a:p>
+            <a:fld id="{FC332A08-707A-473B-ADC8-5287791CAEB0}" type="datetimeFigureOut">
+              <a:rPr lang="fr-FR" smtClean="0"/>
+              <a:t>31/03/2024</a:t>
+            </a:fld>
+            <a:endParaRPr lang="fr-FR"/>
+          </a:p>
+        </p:txBody>
+      </p:sp>
+      <p:sp>
+        <p:nvSpPr>
+          <p:cNvPr id="4" name="Slide Image Placeholder 3"/>
+          <p:cNvSpPr>
+            <a:spLocks noGrp="1" noRot="1" noChangeAspect="1"/>
+          </p:cNvSpPr>
+          <p:nvPr>
+            <p:ph type="sldImg" idx="2"/>
+          </p:nvPr>
+        </p:nvSpPr>
+        <p:spPr>
+          <a:xfrm>
+            <a:off x="2203450" y="1241425"/>
+            <a:ext cx="2390775" cy="3349625"/>
+          </a:xfrm>
+          <a:prstGeom prst="rect">
+            <a:avLst/>
+          </a:prstGeom>
+          <a:noFill/>
+          <a:ln w="12700">
+            <a:solidFill>
+              <a:prstClr val="black"/>
+            </a:solidFill>
+          </a:ln>
+        </p:spPr>
+        <p:txBody>
+          <a:bodyPr vert="horz" lIns="91440" tIns="45720" rIns="91440" bIns="45720" rtlCol="0" anchor="ctr"/>
+          <a:lstStyle/>
+          <a:p>
+            <a:endParaRPr lang="fr-FR"/>
+          </a:p>
+        </p:txBody>
+      </p:sp>
+      <p:sp>
+        <p:nvSpPr>
+          <p:cNvPr id="5" name="Notes Placeholder 4"/>
+          <p:cNvSpPr>
+            <a:spLocks noGrp="1"/>
+          </p:cNvSpPr>
+          <p:nvPr>
+            <p:ph type="body" sz="quarter" idx="3"/>
+          </p:nvPr>
+        </p:nvSpPr>
+        <p:spPr>
+          <a:xfrm>
+            <a:off x="679768" y="4777194"/>
+            <a:ext cx="5438140" cy="3908614"/>
+          </a:xfrm>
+          <a:prstGeom prst="rect">
+            <a:avLst/>
+          </a:prstGeom>
+        </p:spPr>
+        <p:txBody>
+          <a:bodyPr vert="horz" lIns="91440" tIns="45720" rIns="91440" bIns="45720" rtlCol="0"/>
+          <a:lstStyle/>
+          <a:p>
+            <a:pPr lvl="0"/>
+            <a:r>
+              <a:rPr lang="en-US" smtClean="0"/>
+              <a:t>Edit Master text styles</a:t>
+            </a:r>
+          </a:p>
+          <a:p>
+            <a:pPr lvl="1"/>
+            <a:r>
+              <a:rPr lang="en-US" smtClean="0"/>
+              <a:t>Second level</a:t>
+            </a:r>
+          </a:p>
+          <a:p>
+            <a:pPr lvl="2"/>
+            <a:r>
+              <a:rPr lang="en-US" smtClean="0"/>
+              <a:t>Third level</a:t>
+            </a:r>
+          </a:p>
+          <a:p>
+            <a:pPr lvl="3"/>
+            <a:r>
+              <a:rPr lang="en-US" smtClean="0"/>
+              <a:t>Fourth level</a:t>
+            </a:r>
+          </a:p>
+          <a:p>
+            <a:pPr lvl="4"/>
+            <a:r>
+              <a:rPr lang="en-US" smtClean="0"/>
+              <a:t>Fifth level</a:t>
+            </a:r>
+            <a:endParaRPr lang="fr-FR"/>
+          </a:p>
+        </p:txBody>
+      </p:sp>
+      <p:sp>
+        <p:nvSpPr>
+          <p:cNvPr id="6" name="Footer Placeholder 5"/>
+          <p:cNvSpPr>
+            <a:spLocks noGrp="1"/>
+          </p:cNvSpPr>
+          <p:nvPr>
+            <p:ph type="ftr" sz="quarter" idx="4"/>
+          </p:nvPr>
+        </p:nvSpPr>
+        <p:spPr>
+          <a:xfrm>
+            <a:off x="0" y="9428584"/>
+            <a:ext cx="2945659" cy="498055"/>
+          </a:xfrm>
+          <a:prstGeom prst="rect">
+            <a:avLst/>
+          </a:prstGeom>
+        </p:spPr>
+        <p:txBody>
+          <a:bodyPr vert="horz" lIns="91440" tIns="45720" rIns="91440" bIns="45720" rtlCol="0" anchor="b"/>
+          <a:lstStyle>
+            <a:lvl1pPr algn="l">
+              <a:defRPr sz="1200"/>
+            </a:lvl1pPr>
+          </a:lstStyle>
+          <a:p>
+            <a:endParaRPr lang="fr-FR"/>
+          </a:p>
+        </p:txBody>
+      </p:sp>
+      <p:sp>
+        <p:nvSpPr>
+          <p:cNvPr id="7" name="Slide Number Placeholder 6"/>
+          <p:cNvSpPr>
+            <a:spLocks noGrp="1"/>
+          </p:cNvSpPr>
+          <p:nvPr>
+            <p:ph type="sldNum" sz="quarter" idx="5"/>
+          </p:nvPr>
+        </p:nvSpPr>
+        <p:spPr>
+          <a:xfrm>
+            <a:off x="3850443" y="9428584"/>
+            <a:ext cx="2945659" cy="498055"/>
+          </a:xfrm>
+          <a:prstGeom prst="rect">
+            <a:avLst/>
+          </a:prstGeom>
+        </p:spPr>
+        <p:txBody>
+          <a:bodyPr vert="horz" lIns="91440" tIns="45720" rIns="91440" bIns="45720" rtlCol="0" anchor="b"/>
+          <a:lstStyle>
+            <a:lvl1pPr algn="r">
+              <a:defRPr sz="1200"/>
+            </a:lvl1pPr>
+          </a:lstStyle>
+          <a:p>
+            <a:fld id="{7C245905-7532-46F0-9DC5-66613B72D477}" type="slidenum">
+              <a:rPr lang="fr-FR" smtClean="0"/>
+              <a:t>‹#›</a:t>
+            </a:fld>
+            <a:endParaRPr lang="fr-FR"/>
+          </a:p>
+        </p:txBody>
+      </p:sp>
+    </p:spTree>
+    <p:extLst>
+      <p:ext uri="{BB962C8B-B14F-4D97-AF65-F5344CB8AC3E}">
+        <p14:creationId xmlns:p14="http://schemas.microsoft.com/office/powerpoint/2010/main" val="3553081010"/>
+      </p:ext>
+    </p:extLst>
+  </p:cSld>
+  <p:clrMap bg1="lt1" tx1="dk1" bg2="lt2" tx2="dk2" accent1="accent1" accent2="accent2" accent3="accent3" accent4="accent4" accent5="accent5" accent6="accent6" hlink="hlink" folHlink="folHlink"/>
+  <p:hf sldNum="0" hdr="0" ftr="0" dt="0"/>
+  <p:notesStyle>
+    <a:lvl1pPr marL="0" algn="l" defTabSz="877824" rtl="0" eaLnBrk="1" latinLnBrk="0" hangingPunct="1">
+      <a:defRPr sz="1152" kern="1200">
+        <a:solidFill>
+          <a:schemeClr val="tx1"/>
+        </a:solidFill>
+        <a:latin typeface="+mn-lt"/>
+        <a:ea typeface="+mn-ea"/>
+        <a:cs typeface="+mn-cs"/>
+      </a:defRPr>
+    </a:lvl1pPr>
+    <a:lvl2pPr marL="438912" algn="l" defTabSz="877824" rtl="0" eaLnBrk="1" latinLnBrk="0" hangingPunct="1">
+      <a:defRPr sz="1152" kern="1200">
+        <a:solidFill>
+          <a:schemeClr val="tx1"/>
+        </a:solidFill>
+        <a:latin typeface="+mn-lt"/>
+        <a:ea typeface="+mn-ea"/>
+        <a:cs typeface="+mn-cs"/>
+      </a:defRPr>
+    </a:lvl2pPr>
+    <a:lvl3pPr marL="877824" algn="l" defTabSz="877824" rtl="0" eaLnBrk="1" latinLnBrk="0" hangingPunct="1">
+      <a:defRPr sz="1152" kern="1200">
+        <a:solidFill>
+          <a:schemeClr val="tx1"/>
+        </a:solidFill>
+        <a:latin typeface="+mn-lt"/>
+        <a:ea typeface="+mn-ea"/>
+        <a:cs typeface="+mn-cs"/>
+      </a:defRPr>
+    </a:lvl3pPr>
+    <a:lvl4pPr marL="1316736" algn="l" defTabSz="877824" rtl="0" eaLnBrk="1" latinLnBrk="0" hangingPunct="1">
+      <a:defRPr sz="1152" kern="1200">
+        <a:solidFill>
+          <a:schemeClr val="tx1"/>
+        </a:solidFill>
+        <a:latin typeface="+mn-lt"/>
+        <a:ea typeface="+mn-ea"/>
+        <a:cs typeface="+mn-cs"/>
+      </a:defRPr>
+    </a:lvl4pPr>
+    <a:lvl5pPr marL="1755648" algn="l" defTabSz="877824" rtl="0" eaLnBrk="1" latinLnBrk="0" hangingPunct="1">
+      <a:defRPr sz="1152" kern="1200">
+        <a:solidFill>
+          <a:schemeClr val="tx1"/>
+        </a:solidFill>
+        <a:latin typeface="+mn-lt"/>
+        <a:ea typeface="+mn-ea"/>
+        <a:cs typeface="+mn-cs"/>
+      </a:defRPr>
+    </a:lvl5pPr>
+    <a:lvl6pPr marL="2194560" algn="l" defTabSz="877824" rtl="0" eaLnBrk="1" latinLnBrk="0" hangingPunct="1">
+      <a:defRPr sz="1152" kern="1200">
+        <a:solidFill>
+          <a:schemeClr val="tx1"/>
+        </a:solidFill>
+        <a:latin typeface="+mn-lt"/>
+        <a:ea typeface="+mn-ea"/>
+        <a:cs typeface="+mn-cs"/>
+      </a:defRPr>
+    </a:lvl6pPr>
+    <a:lvl7pPr marL="2633472" algn="l" defTabSz="877824" rtl="0" eaLnBrk="1" latinLnBrk="0" hangingPunct="1">
+      <a:defRPr sz="1152" kern="1200">
+        <a:solidFill>
+          <a:schemeClr val="tx1"/>
+        </a:solidFill>
+        <a:latin typeface="+mn-lt"/>
+        <a:ea typeface="+mn-ea"/>
+        <a:cs typeface="+mn-cs"/>
+      </a:defRPr>
+    </a:lvl7pPr>
+    <a:lvl8pPr marL="3072384" algn="l" defTabSz="877824" rtl="0" eaLnBrk="1" latinLnBrk="0" hangingPunct="1">
+      <a:defRPr sz="1152" kern="1200">
+        <a:solidFill>
+          <a:schemeClr val="tx1"/>
+        </a:solidFill>
+        <a:latin typeface="+mn-lt"/>
+        <a:ea typeface="+mn-ea"/>
+        <a:cs typeface="+mn-cs"/>
+      </a:defRPr>
+    </a:lvl8pPr>
+    <a:lvl9pPr marL="3511296" algn="l" defTabSz="877824" rtl="0" eaLnBrk="1" latinLnBrk="0" hangingPunct="1">
+      <a:defRPr sz="1152" kern="1200">
+        <a:solidFill>
+          <a:schemeClr val="tx1"/>
+        </a:solidFill>
+        <a:latin typeface="+mn-lt"/>
+        <a:ea typeface="+mn-ea"/>
+        <a:cs typeface="+mn-cs"/>
+      </a:defRPr>
+    </a:lvl9pPr>
+  </p:notesStyle>
+</p:notesMaster>
 </file>
 
 <file path=ppt/slideLayouts/slideLayout1.xml><?xml version="1.0" encoding="utf-8"?>
@@ -143,15 +676,15 @@
         </p:nvSpPr>
         <p:spPr>
           <a:xfrm>
-            <a:off x="566976" y="1708486"/>
-            <a:ext cx="6425724" cy="3634458"/>
+            <a:off x="539949" y="1649770"/>
+            <a:ext cx="6119416" cy="3509551"/>
           </a:xfrm>
         </p:spPr>
         <p:txBody>
           <a:bodyPr anchor="b"/>
           <a:lstStyle>
             <a:lvl1pPr algn="ctr">
-              <a:defRPr sz="4960"/>
+              <a:defRPr sz="4724"/>
             </a:lvl1pPr>
           </a:lstStyle>
           <a:p>
@@ -175,8 +708,8 @@
         </p:nvSpPr>
         <p:spPr>
           <a:xfrm>
-            <a:off x="944960" y="5483102"/>
-            <a:ext cx="5669756" cy="2520438"/>
+            <a:off x="899914" y="5294662"/>
+            <a:ext cx="5399485" cy="2433817"/>
           </a:xfrm>
         </p:spPr>
         <p:txBody>
@@ -184,39 +717,39 @@
           <a:lstStyle>
             <a:lvl1pPr marL="0" indent="0" algn="ctr">
               <a:buNone/>
-              <a:defRPr sz="1984"/>
+              <a:defRPr sz="1890"/>
             </a:lvl1pPr>
-            <a:lvl2pPr marL="377967" indent="0" algn="ctr">
-              <a:buNone/>
-              <a:defRPr sz="1653"/>
+            <a:lvl2pPr marL="359954" indent="0" algn="ctr">
+              <a:buNone/>
+              <a:defRPr sz="1575"/>
             </a:lvl2pPr>
-            <a:lvl3pPr marL="755934" indent="0" algn="ctr">
-              <a:buNone/>
-              <a:defRPr sz="1488"/>
+            <a:lvl3pPr marL="719907" indent="0" algn="ctr">
+              <a:buNone/>
+              <a:defRPr sz="1417"/>
             </a:lvl3pPr>
-            <a:lvl4pPr marL="1133902" indent="0" algn="ctr">
-              <a:buNone/>
-              <a:defRPr sz="1323"/>
+            <a:lvl4pPr marL="1079861" indent="0" algn="ctr">
+              <a:buNone/>
+              <a:defRPr sz="1260"/>
             </a:lvl4pPr>
-            <a:lvl5pPr marL="1511869" indent="0" algn="ctr">
-              <a:buNone/>
-              <a:defRPr sz="1323"/>
+            <a:lvl5pPr marL="1439814" indent="0" algn="ctr">
+              <a:buNone/>
+              <a:defRPr sz="1260"/>
             </a:lvl5pPr>
-            <a:lvl6pPr marL="1889836" indent="0" algn="ctr">
-              <a:buNone/>
-              <a:defRPr sz="1323"/>
+            <a:lvl6pPr marL="1799768" indent="0" algn="ctr">
+              <a:buNone/>
+              <a:defRPr sz="1260"/>
             </a:lvl6pPr>
-            <a:lvl7pPr marL="2267803" indent="0" algn="ctr">
-              <a:buNone/>
-              <a:defRPr sz="1323"/>
+            <a:lvl7pPr marL="2159721" indent="0" algn="ctr">
+              <a:buNone/>
+              <a:defRPr sz="1260"/>
             </a:lvl7pPr>
-            <a:lvl8pPr marL="2645771" indent="0" algn="ctr">
-              <a:buNone/>
-              <a:defRPr sz="1323"/>
+            <a:lvl8pPr marL="2519675" indent="0" algn="ctr">
+              <a:buNone/>
+              <a:defRPr sz="1260"/>
             </a:lvl8pPr>
-            <a:lvl9pPr marL="3023738" indent="0" algn="ctr">
-              <a:buNone/>
-              <a:defRPr sz="1323"/>
+            <a:lvl9pPr marL="2879628" indent="0" algn="ctr">
+              <a:buNone/>
+              <a:defRPr sz="1260"/>
             </a:lvl9pPr>
           </a:lstStyle>
           <a:p>
@@ -243,9 +776,9 @@
           <a:bodyPr/>
           <a:lstStyle/>
           <a:p>
-            <a:fld id="{8413ABBB-157B-4E82-854F-6954E399671D}" type="datetimeFigureOut">
+            <a:fld id="{D31E1380-0A9F-4603-AC58-48312EBC6535}" type="datetime1">
               <a:rPr lang="fr-FR" smtClean="0"/>
-              <a:t>20/02/2024</a:t>
+              <a:t>31/03/2024</a:t>
             </a:fld>
             <a:endParaRPr lang="fr-FR"/>
           </a:p>
@@ -296,7 +829,7 @@
     </p:spTree>
     <p:extLst>
       <p:ext uri="{BB962C8B-B14F-4D97-AF65-F5344CB8AC3E}">
-        <p14:creationId xmlns:p14="http://schemas.microsoft.com/office/powerpoint/2010/main" val="173469176"/>
+        <p14:creationId xmlns:p14="http://schemas.microsoft.com/office/powerpoint/2010/main" val="3966075584"/>
       </p:ext>
     </p:extLst>
   </p:cSld>
@@ -413,9 +946,9 @@
           <a:bodyPr/>
           <a:lstStyle/>
           <a:p>
-            <a:fld id="{8413ABBB-157B-4E82-854F-6954E399671D}" type="datetimeFigureOut">
+            <a:fld id="{3F4037CB-0E7F-469C-88B1-D123E8603939}" type="datetime1">
               <a:rPr lang="fr-FR" smtClean="0"/>
-              <a:t>20/02/2024</a:t>
+              <a:t>31/03/2024</a:t>
             </a:fld>
             <a:endParaRPr lang="fr-FR"/>
           </a:p>
@@ -466,7 +999,7 @@
     </p:spTree>
     <p:extLst>
       <p:ext uri="{BB962C8B-B14F-4D97-AF65-F5344CB8AC3E}">
-        <p14:creationId xmlns:p14="http://schemas.microsoft.com/office/powerpoint/2010/main" val="4129098677"/>
+        <p14:creationId xmlns:p14="http://schemas.microsoft.com/office/powerpoint/2010/main" val="1156647905"/>
       </p:ext>
     </p:extLst>
   </p:cSld>
@@ -505,8 +1038,8 @@
         </p:nvSpPr>
         <p:spPr>
           <a:xfrm>
-            <a:off x="5409893" y="555801"/>
-            <a:ext cx="1630055" cy="8846909"/>
+            <a:off x="5152009" y="536700"/>
+            <a:ext cx="1552352" cy="8542864"/>
           </a:xfrm>
         </p:spPr>
         <p:txBody>
@@ -533,8 +1066,8 @@
         </p:nvSpPr>
         <p:spPr>
           <a:xfrm>
-            <a:off x="519728" y="555801"/>
-            <a:ext cx="4795669" cy="8846909"/>
+            <a:off x="494953" y="536700"/>
+            <a:ext cx="4567064" cy="8542864"/>
           </a:xfrm>
         </p:spPr>
         <p:txBody>
@@ -593,9 +1126,9 @@
           <a:bodyPr/>
           <a:lstStyle/>
           <a:p>
-            <a:fld id="{8413ABBB-157B-4E82-854F-6954E399671D}" type="datetimeFigureOut">
+            <a:fld id="{F82A1EB2-D990-4833-B111-146775E1CC31}" type="datetime1">
               <a:rPr lang="fr-FR" smtClean="0"/>
-              <a:t>20/02/2024</a:t>
+              <a:t>31/03/2024</a:t>
             </a:fld>
             <a:endParaRPr lang="fr-FR"/>
           </a:p>
@@ -646,7 +1179,7 @@
     </p:spTree>
     <p:extLst>
       <p:ext uri="{BB962C8B-B14F-4D97-AF65-F5344CB8AC3E}">
-        <p14:creationId xmlns:p14="http://schemas.microsoft.com/office/powerpoint/2010/main" val="839193449"/>
+        <p14:creationId xmlns:p14="http://schemas.microsoft.com/office/powerpoint/2010/main" val="2529783709"/>
       </p:ext>
     </p:extLst>
   </p:cSld>
@@ -763,9 +1296,9 @@
           <a:bodyPr/>
           <a:lstStyle/>
           <a:p>
-            <a:fld id="{8413ABBB-157B-4E82-854F-6954E399671D}" type="datetimeFigureOut">
+            <a:fld id="{85F10974-6D1C-45EF-8B7C-1146761C3113}" type="datetime1">
               <a:rPr lang="fr-FR" smtClean="0"/>
-              <a:t>20/02/2024</a:t>
+              <a:t>31/03/2024</a:t>
             </a:fld>
             <a:endParaRPr lang="fr-FR"/>
           </a:p>
@@ -816,7 +1349,7 @@
     </p:spTree>
     <p:extLst>
       <p:ext uri="{BB962C8B-B14F-4D97-AF65-F5344CB8AC3E}">
-        <p14:creationId xmlns:p14="http://schemas.microsoft.com/office/powerpoint/2010/main" val="499530126"/>
+        <p14:creationId xmlns:p14="http://schemas.microsoft.com/office/powerpoint/2010/main" val="2185700019"/>
       </p:ext>
     </p:extLst>
   </p:cSld>
@@ -855,15 +1388,15 @@
         </p:nvSpPr>
         <p:spPr>
           <a:xfrm>
-            <a:off x="515791" y="2602603"/>
-            <a:ext cx="6520220" cy="4342500"/>
+            <a:off x="491204" y="2513159"/>
+            <a:ext cx="6209407" cy="4193259"/>
           </a:xfrm>
         </p:spPr>
         <p:txBody>
           <a:bodyPr anchor="b"/>
           <a:lstStyle>
             <a:lvl1pPr>
-              <a:defRPr sz="4960"/>
+              <a:defRPr sz="4724"/>
             </a:lvl1pPr>
           </a:lstStyle>
           <a:p>
@@ -887,8 +1420,8 @@
         </p:nvSpPr>
         <p:spPr>
           <a:xfrm>
-            <a:off x="515791" y="6986185"/>
-            <a:ext cx="6520220" cy="2283618"/>
+            <a:off x="491204" y="6746088"/>
+            <a:ext cx="6209407" cy="2205136"/>
           </a:xfrm>
         </p:spPr>
         <p:txBody>
@@ -896,15 +1429,15 @@
           <a:lstStyle>
             <a:lvl1pPr marL="0" indent="0">
               <a:buNone/>
-              <a:defRPr sz="1984">
+              <a:defRPr sz="1890">
                 <a:solidFill>
                   <a:schemeClr val="tx1"/>
                 </a:solidFill>
               </a:defRPr>
             </a:lvl1pPr>
-            <a:lvl2pPr marL="377967" indent="0">
-              <a:buNone/>
-              <a:defRPr sz="1653">
+            <a:lvl2pPr marL="359954" indent="0">
+              <a:buNone/>
+              <a:defRPr sz="1575">
                 <a:solidFill>
                   <a:schemeClr val="tx1">
                     <a:tint val="75000"/>
@@ -912,9 +1445,9 @@
                 </a:solidFill>
               </a:defRPr>
             </a:lvl2pPr>
-            <a:lvl3pPr marL="755934" indent="0">
-              <a:buNone/>
-              <a:defRPr sz="1488">
+            <a:lvl3pPr marL="719907" indent="0">
+              <a:buNone/>
+              <a:defRPr sz="1417">
                 <a:solidFill>
                   <a:schemeClr val="tx1">
                     <a:tint val="75000"/>
@@ -922,9 +1455,9 @@
                 </a:solidFill>
               </a:defRPr>
             </a:lvl3pPr>
-            <a:lvl4pPr marL="1133902" indent="0">
-              <a:buNone/>
-              <a:defRPr sz="1323">
+            <a:lvl4pPr marL="1079861" indent="0">
+              <a:buNone/>
+              <a:defRPr sz="1260">
                 <a:solidFill>
                   <a:schemeClr val="tx1">
                     <a:tint val="75000"/>
@@ -932,9 +1465,9 @@
                 </a:solidFill>
               </a:defRPr>
             </a:lvl4pPr>
-            <a:lvl5pPr marL="1511869" indent="0">
-              <a:buNone/>
-              <a:defRPr sz="1323">
+            <a:lvl5pPr marL="1439814" indent="0">
+              <a:buNone/>
+              <a:defRPr sz="1260">
                 <a:solidFill>
                   <a:schemeClr val="tx1">
                     <a:tint val="75000"/>
@@ -942,9 +1475,9 @@
                 </a:solidFill>
               </a:defRPr>
             </a:lvl5pPr>
-            <a:lvl6pPr marL="1889836" indent="0">
-              <a:buNone/>
-              <a:defRPr sz="1323">
+            <a:lvl6pPr marL="1799768" indent="0">
+              <a:buNone/>
+              <a:defRPr sz="1260">
                 <a:solidFill>
                   <a:schemeClr val="tx1">
                     <a:tint val="75000"/>
@@ -952,9 +1485,9 @@
                 </a:solidFill>
               </a:defRPr>
             </a:lvl6pPr>
-            <a:lvl7pPr marL="2267803" indent="0">
-              <a:buNone/>
-              <a:defRPr sz="1323">
+            <a:lvl7pPr marL="2159721" indent="0">
+              <a:buNone/>
+              <a:defRPr sz="1260">
                 <a:solidFill>
                   <a:schemeClr val="tx1">
                     <a:tint val="75000"/>
@@ -962,9 +1495,9 @@
                 </a:solidFill>
               </a:defRPr>
             </a:lvl7pPr>
-            <a:lvl8pPr marL="2645771" indent="0">
-              <a:buNone/>
-              <a:defRPr sz="1323">
+            <a:lvl8pPr marL="2519675" indent="0">
+              <a:buNone/>
+              <a:defRPr sz="1260">
                 <a:solidFill>
                   <a:schemeClr val="tx1">
                     <a:tint val="75000"/>
@@ -972,9 +1505,9 @@
                 </a:solidFill>
               </a:defRPr>
             </a:lvl8pPr>
-            <a:lvl9pPr marL="3023738" indent="0">
-              <a:buNone/>
-              <a:defRPr sz="1323">
+            <a:lvl9pPr marL="2879628" indent="0">
+              <a:buNone/>
+              <a:defRPr sz="1260">
                 <a:solidFill>
                   <a:schemeClr val="tx1">
                     <a:tint val="75000"/>
@@ -1007,9 +1540,9 @@
           <a:bodyPr/>
           <a:lstStyle/>
           <a:p>
-            <a:fld id="{8413ABBB-157B-4E82-854F-6954E399671D}" type="datetimeFigureOut">
+            <a:fld id="{DC34148C-78CE-4850-A998-F6971A92BEF4}" type="datetime1">
               <a:rPr lang="fr-FR" smtClean="0"/>
-              <a:t>20/02/2024</a:t>
+              <a:t>31/03/2024</a:t>
             </a:fld>
             <a:endParaRPr lang="fr-FR"/>
           </a:p>
@@ -1060,7 +1593,7 @@
     </p:spTree>
     <p:extLst>
       <p:ext uri="{BB962C8B-B14F-4D97-AF65-F5344CB8AC3E}">
-        <p14:creationId xmlns:p14="http://schemas.microsoft.com/office/powerpoint/2010/main" val="3120575772"/>
+        <p14:creationId xmlns:p14="http://schemas.microsoft.com/office/powerpoint/2010/main" val="3582498070"/>
       </p:ext>
     </p:extLst>
   </p:cSld>
@@ -1122,8 +1655,8 @@
         </p:nvSpPr>
         <p:spPr>
           <a:xfrm>
-            <a:off x="519728" y="2779007"/>
-            <a:ext cx="3212862" cy="6623703"/>
+            <a:off x="494953" y="2683500"/>
+            <a:ext cx="3059708" cy="6396064"/>
           </a:xfrm>
         </p:spPr>
         <p:txBody>
@@ -1179,8 +1712,8 @@
         </p:nvSpPr>
         <p:spPr>
           <a:xfrm>
-            <a:off x="3827085" y="2779007"/>
-            <a:ext cx="3212862" cy="6623703"/>
+            <a:off x="3644652" y="2683500"/>
+            <a:ext cx="3059708" cy="6396064"/>
           </a:xfrm>
         </p:spPr>
         <p:txBody>
@@ -1239,9 +1772,9 @@
           <a:bodyPr/>
           <a:lstStyle/>
           <a:p>
-            <a:fld id="{8413ABBB-157B-4E82-854F-6954E399671D}" type="datetimeFigureOut">
+            <a:fld id="{98A58252-3290-48A4-A576-B3A8002083B4}" type="datetime1">
               <a:rPr lang="fr-FR" smtClean="0"/>
-              <a:t>20/02/2024</a:t>
+              <a:t>31/03/2024</a:t>
             </a:fld>
             <a:endParaRPr lang="fr-FR"/>
           </a:p>
@@ -1292,7 +1825,7 @@
     </p:spTree>
     <p:extLst>
       <p:ext uri="{BB962C8B-B14F-4D97-AF65-F5344CB8AC3E}">
-        <p14:creationId xmlns:p14="http://schemas.microsoft.com/office/powerpoint/2010/main" val="3291928408"/>
+        <p14:creationId xmlns:p14="http://schemas.microsoft.com/office/powerpoint/2010/main" val="2897170442"/>
       </p:ext>
     </p:extLst>
   </p:cSld>
@@ -1331,8 +1864,8 @@
         </p:nvSpPr>
         <p:spPr>
           <a:xfrm>
-            <a:off x="520712" y="555804"/>
-            <a:ext cx="6520220" cy="2017801"/>
+            <a:off x="495891" y="536702"/>
+            <a:ext cx="6209407" cy="1948455"/>
           </a:xfrm>
         </p:spPr>
         <p:txBody>
@@ -1359,8 +1892,8 @@
         </p:nvSpPr>
         <p:spPr>
           <a:xfrm>
-            <a:off x="520713" y="2559104"/>
-            <a:ext cx="3198096" cy="1254177"/>
+            <a:off x="495891" y="2471154"/>
+            <a:ext cx="3045646" cy="1211074"/>
           </a:xfrm>
         </p:spPr>
         <p:txBody>
@@ -1368,39 +1901,39 @@
           <a:lstStyle>
             <a:lvl1pPr marL="0" indent="0">
               <a:buNone/>
-              <a:defRPr sz="1984" b="1"/>
+              <a:defRPr sz="1890" b="1"/>
             </a:lvl1pPr>
-            <a:lvl2pPr marL="377967" indent="0">
-              <a:buNone/>
-              <a:defRPr sz="1653" b="1"/>
+            <a:lvl2pPr marL="359954" indent="0">
+              <a:buNone/>
+              <a:defRPr sz="1575" b="1"/>
             </a:lvl2pPr>
-            <a:lvl3pPr marL="755934" indent="0">
-              <a:buNone/>
-              <a:defRPr sz="1488" b="1"/>
+            <a:lvl3pPr marL="719907" indent="0">
+              <a:buNone/>
+              <a:defRPr sz="1417" b="1"/>
             </a:lvl3pPr>
-            <a:lvl4pPr marL="1133902" indent="0">
-              <a:buNone/>
-              <a:defRPr sz="1323" b="1"/>
+            <a:lvl4pPr marL="1079861" indent="0">
+              <a:buNone/>
+              <a:defRPr sz="1260" b="1"/>
             </a:lvl4pPr>
-            <a:lvl5pPr marL="1511869" indent="0">
-              <a:buNone/>
-              <a:defRPr sz="1323" b="1"/>
+            <a:lvl5pPr marL="1439814" indent="0">
+              <a:buNone/>
+              <a:defRPr sz="1260" b="1"/>
             </a:lvl5pPr>
-            <a:lvl6pPr marL="1889836" indent="0">
-              <a:buNone/>
-              <a:defRPr sz="1323" b="1"/>
+            <a:lvl6pPr marL="1799768" indent="0">
+              <a:buNone/>
+              <a:defRPr sz="1260" b="1"/>
             </a:lvl6pPr>
-            <a:lvl7pPr marL="2267803" indent="0">
-              <a:buNone/>
-              <a:defRPr sz="1323" b="1"/>
+            <a:lvl7pPr marL="2159721" indent="0">
+              <a:buNone/>
+              <a:defRPr sz="1260" b="1"/>
             </a:lvl7pPr>
-            <a:lvl8pPr marL="2645771" indent="0">
-              <a:buNone/>
-              <a:defRPr sz="1323" b="1"/>
+            <a:lvl8pPr marL="2519675" indent="0">
+              <a:buNone/>
+              <a:defRPr sz="1260" b="1"/>
             </a:lvl8pPr>
-            <a:lvl9pPr marL="3023738" indent="0">
-              <a:buNone/>
-              <a:defRPr sz="1323" b="1"/>
+            <a:lvl9pPr marL="2879628" indent="0">
+              <a:buNone/>
+              <a:defRPr sz="1260" b="1"/>
             </a:lvl9pPr>
           </a:lstStyle>
           <a:p>
@@ -1424,8 +1957,8 @@
         </p:nvSpPr>
         <p:spPr>
           <a:xfrm>
-            <a:off x="520713" y="3813281"/>
-            <a:ext cx="3198096" cy="5608762"/>
+            <a:off x="495891" y="3682228"/>
+            <a:ext cx="3045646" cy="5416003"/>
           </a:xfrm>
         </p:spPr>
         <p:txBody>
@@ -1481,8 +2014,8 @@
         </p:nvSpPr>
         <p:spPr>
           <a:xfrm>
-            <a:off x="3827086" y="2559104"/>
-            <a:ext cx="3213847" cy="1254177"/>
+            <a:off x="3644652" y="2471154"/>
+            <a:ext cx="3060646" cy="1211074"/>
           </a:xfrm>
         </p:spPr>
         <p:txBody>
@@ -1490,39 +2023,39 @@
           <a:lstStyle>
             <a:lvl1pPr marL="0" indent="0">
               <a:buNone/>
-              <a:defRPr sz="1984" b="1"/>
+              <a:defRPr sz="1890" b="1"/>
             </a:lvl1pPr>
-            <a:lvl2pPr marL="377967" indent="0">
-              <a:buNone/>
-              <a:defRPr sz="1653" b="1"/>
+            <a:lvl2pPr marL="359954" indent="0">
+              <a:buNone/>
+              <a:defRPr sz="1575" b="1"/>
             </a:lvl2pPr>
-            <a:lvl3pPr marL="755934" indent="0">
-              <a:buNone/>
-              <a:defRPr sz="1488" b="1"/>
+            <a:lvl3pPr marL="719907" indent="0">
+              <a:buNone/>
+              <a:defRPr sz="1417" b="1"/>
             </a:lvl3pPr>
-            <a:lvl4pPr marL="1133902" indent="0">
-              <a:buNone/>
-              <a:defRPr sz="1323" b="1"/>
+            <a:lvl4pPr marL="1079861" indent="0">
+              <a:buNone/>
+              <a:defRPr sz="1260" b="1"/>
             </a:lvl4pPr>
-            <a:lvl5pPr marL="1511869" indent="0">
-              <a:buNone/>
-              <a:defRPr sz="1323" b="1"/>
+            <a:lvl5pPr marL="1439814" indent="0">
+              <a:buNone/>
+              <a:defRPr sz="1260" b="1"/>
             </a:lvl5pPr>
-            <a:lvl6pPr marL="1889836" indent="0">
-              <a:buNone/>
-              <a:defRPr sz="1323" b="1"/>
+            <a:lvl6pPr marL="1799768" indent="0">
+              <a:buNone/>
+              <a:defRPr sz="1260" b="1"/>
             </a:lvl6pPr>
-            <a:lvl7pPr marL="2267803" indent="0">
-              <a:buNone/>
-              <a:defRPr sz="1323" b="1"/>
+            <a:lvl7pPr marL="2159721" indent="0">
+              <a:buNone/>
+              <a:defRPr sz="1260" b="1"/>
             </a:lvl7pPr>
-            <a:lvl8pPr marL="2645771" indent="0">
-              <a:buNone/>
-              <a:defRPr sz="1323" b="1"/>
+            <a:lvl8pPr marL="2519675" indent="0">
+              <a:buNone/>
+              <a:defRPr sz="1260" b="1"/>
             </a:lvl8pPr>
-            <a:lvl9pPr marL="3023738" indent="0">
-              <a:buNone/>
-              <a:defRPr sz="1323" b="1"/>
+            <a:lvl9pPr marL="2879628" indent="0">
+              <a:buNone/>
+              <a:defRPr sz="1260" b="1"/>
             </a:lvl9pPr>
           </a:lstStyle>
           <a:p>
@@ -1546,8 +2079,8 @@
         </p:nvSpPr>
         <p:spPr>
           <a:xfrm>
-            <a:off x="3827086" y="3813281"/>
-            <a:ext cx="3213847" cy="5608762"/>
+            <a:off x="3644652" y="3682228"/>
+            <a:ext cx="3060646" cy="5416003"/>
           </a:xfrm>
         </p:spPr>
         <p:txBody>
@@ -1606,9 +2139,9 @@
           <a:bodyPr/>
           <a:lstStyle/>
           <a:p>
-            <a:fld id="{8413ABBB-157B-4E82-854F-6954E399671D}" type="datetimeFigureOut">
+            <a:fld id="{3A63FD95-DAEC-49B9-9CCA-F99951CC24FD}" type="datetime1">
               <a:rPr lang="fr-FR" smtClean="0"/>
-              <a:t>20/02/2024</a:t>
+              <a:t>31/03/2024</a:t>
             </a:fld>
             <a:endParaRPr lang="fr-FR"/>
           </a:p>
@@ -1659,7 +2192,7 @@
     </p:spTree>
     <p:extLst>
       <p:ext uri="{BB962C8B-B14F-4D97-AF65-F5344CB8AC3E}">
-        <p14:creationId xmlns:p14="http://schemas.microsoft.com/office/powerpoint/2010/main" val="1775504616"/>
+        <p14:creationId xmlns:p14="http://schemas.microsoft.com/office/powerpoint/2010/main" val="991589687"/>
       </p:ext>
     </p:extLst>
   </p:cSld>
@@ -1724,9 +2257,9 @@
           <a:bodyPr/>
           <a:lstStyle/>
           <a:p>
-            <a:fld id="{8413ABBB-157B-4E82-854F-6954E399671D}" type="datetimeFigureOut">
+            <a:fld id="{8A30231E-2C9B-4553-AE68-92D0775C6EAD}" type="datetime1">
               <a:rPr lang="fr-FR" smtClean="0"/>
-              <a:t>20/02/2024</a:t>
+              <a:t>31/03/2024</a:t>
             </a:fld>
             <a:endParaRPr lang="fr-FR"/>
           </a:p>
@@ -1777,7 +2310,7 @@
     </p:spTree>
     <p:extLst>
       <p:ext uri="{BB962C8B-B14F-4D97-AF65-F5344CB8AC3E}">
-        <p14:creationId xmlns:p14="http://schemas.microsoft.com/office/powerpoint/2010/main" val="553194577"/>
+        <p14:creationId xmlns:p14="http://schemas.microsoft.com/office/powerpoint/2010/main" val="2820157111"/>
       </p:ext>
     </p:extLst>
   </p:cSld>
@@ -1819,9 +2352,9 @@
           <a:bodyPr/>
           <a:lstStyle/>
           <a:p>
-            <a:fld id="{8413ABBB-157B-4E82-854F-6954E399671D}" type="datetimeFigureOut">
+            <a:fld id="{A6DEB4C5-B870-4D86-A828-1FA41441279D}" type="datetime1">
               <a:rPr lang="fr-FR" smtClean="0"/>
-              <a:t>20/02/2024</a:t>
+              <a:t>31/03/2024</a:t>
             </a:fld>
             <a:endParaRPr lang="fr-FR"/>
           </a:p>
@@ -1872,7 +2405,7 @@
     </p:spTree>
     <p:extLst>
       <p:ext uri="{BB962C8B-B14F-4D97-AF65-F5344CB8AC3E}">
-        <p14:creationId xmlns:p14="http://schemas.microsoft.com/office/powerpoint/2010/main" val="2903203509"/>
+        <p14:creationId xmlns:p14="http://schemas.microsoft.com/office/powerpoint/2010/main" val="1622638786"/>
       </p:ext>
     </p:extLst>
   </p:cSld>
@@ -1911,15 +2444,15 @@
         </p:nvSpPr>
         <p:spPr>
           <a:xfrm>
-            <a:off x="520712" y="695960"/>
-            <a:ext cx="2438192" cy="2435860"/>
+            <a:off x="495890" y="672042"/>
+            <a:ext cx="2321966" cy="2352146"/>
           </a:xfrm>
         </p:spPr>
         <p:txBody>
           <a:bodyPr anchor="b"/>
           <a:lstStyle>
             <a:lvl1pPr>
-              <a:defRPr sz="2645"/>
+              <a:defRPr sz="2519"/>
             </a:lvl1pPr>
           </a:lstStyle>
           <a:p>
@@ -1943,39 +2476,39 @@
         </p:nvSpPr>
         <p:spPr>
           <a:xfrm>
-            <a:off x="3213847" y="1503083"/>
-            <a:ext cx="3827085" cy="7418740"/>
+            <a:off x="3060646" y="1451426"/>
+            <a:ext cx="3644652" cy="7163777"/>
           </a:xfrm>
         </p:spPr>
         <p:txBody>
           <a:bodyPr/>
           <a:lstStyle>
             <a:lvl1pPr>
-              <a:defRPr sz="2645"/>
+              <a:defRPr sz="2519"/>
             </a:lvl1pPr>
             <a:lvl2pPr>
-              <a:defRPr sz="2315"/>
+              <a:defRPr sz="2204"/>
             </a:lvl2pPr>
             <a:lvl3pPr>
-              <a:defRPr sz="1984"/>
+              <a:defRPr sz="1890"/>
             </a:lvl3pPr>
             <a:lvl4pPr>
-              <a:defRPr sz="1653"/>
+              <a:defRPr sz="1575"/>
             </a:lvl4pPr>
             <a:lvl5pPr>
-              <a:defRPr sz="1653"/>
+              <a:defRPr sz="1575"/>
             </a:lvl5pPr>
             <a:lvl6pPr>
-              <a:defRPr sz="1653"/>
+              <a:defRPr sz="1575"/>
             </a:lvl6pPr>
             <a:lvl7pPr>
-              <a:defRPr sz="1653"/>
+              <a:defRPr sz="1575"/>
             </a:lvl7pPr>
             <a:lvl8pPr>
-              <a:defRPr sz="1653"/>
+              <a:defRPr sz="1575"/>
             </a:lvl8pPr>
             <a:lvl9pPr>
-              <a:defRPr sz="1653"/>
+              <a:defRPr sz="1575"/>
             </a:lvl9pPr>
           </a:lstStyle>
           <a:p>
@@ -2028,8 +2561,8 @@
         </p:nvSpPr>
         <p:spPr>
           <a:xfrm>
-            <a:off x="520712" y="3131820"/>
-            <a:ext cx="2438192" cy="5802084"/>
+            <a:off x="495890" y="3024188"/>
+            <a:ext cx="2321966" cy="5602681"/>
           </a:xfrm>
         </p:spPr>
         <p:txBody>
@@ -2037,39 +2570,39 @@
           <a:lstStyle>
             <a:lvl1pPr marL="0" indent="0">
               <a:buNone/>
-              <a:defRPr sz="1323"/>
+              <a:defRPr sz="1260"/>
             </a:lvl1pPr>
-            <a:lvl2pPr marL="377967" indent="0">
-              <a:buNone/>
-              <a:defRPr sz="1157"/>
+            <a:lvl2pPr marL="359954" indent="0">
+              <a:buNone/>
+              <a:defRPr sz="1102"/>
             </a:lvl2pPr>
-            <a:lvl3pPr marL="755934" indent="0">
-              <a:buNone/>
-              <a:defRPr sz="992"/>
+            <a:lvl3pPr marL="719907" indent="0">
+              <a:buNone/>
+              <a:defRPr sz="945"/>
             </a:lvl3pPr>
-            <a:lvl4pPr marL="1133902" indent="0">
-              <a:buNone/>
-              <a:defRPr sz="827"/>
+            <a:lvl4pPr marL="1079861" indent="0">
+              <a:buNone/>
+              <a:defRPr sz="787"/>
             </a:lvl4pPr>
-            <a:lvl5pPr marL="1511869" indent="0">
-              <a:buNone/>
-              <a:defRPr sz="827"/>
+            <a:lvl5pPr marL="1439814" indent="0">
+              <a:buNone/>
+              <a:defRPr sz="787"/>
             </a:lvl5pPr>
-            <a:lvl6pPr marL="1889836" indent="0">
-              <a:buNone/>
-              <a:defRPr sz="827"/>
+            <a:lvl6pPr marL="1799768" indent="0">
+              <a:buNone/>
+              <a:defRPr sz="787"/>
             </a:lvl6pPr>
-            <a:lvl7pPr marL="2267803" indent="0">
-              <a:buNone/>
-              <a:defRPr sz="827"/>
+            <a:lvl7pPr marL="2159721" indent="0">
+              <a:buNone/>
+              <a:defRPr sz="787"/>
             </a:lvl7pPr>
-            <a:lvl8pPr marL="2645771" indent="0">
-              <a:buNone/>
-              <a:defRPr sz="827"/>
+            <a:lvl8pPr marL="2519675" indent="0">
+              <a:buNone/>
+              <a:defRPr sz="787"/>
             </a:lvl8pPr>
-            <a:lvl9pPr marL="3023738" indent="0">
-              <a:buNone/>
-              <a:defRPr sz="827"/>
+            <a:lvl9pPr marL="2879628" indent="0">
+              <a:buNone/>
+              <a:defRPr sz="787"/>
             </a:lvl9pPr>
           </a:lstStyle>
           <a:p>
@@ -2096,9 +2629,9 @@
           <a:bodyPr/>
           <a:lstStyle/>
           <a:p>
-            <a:fld id="{8413ABBB-157B-4E82-854F-6954E399671D}" type="datetimeFigureOut">
+            <a:fld id="{63297613-6D7C-4E8C-9830-EE061053635D}" type="datetime1">
               <a:rPr lang="fr-FR" smtClean="0"/>
-              <a:t>20/02/2024</a:t>
+              <a:t>31/03/2024</a:t>
             </a:fld>
             <a:endParaRPr lang="fr-FR"/>
           </a:p>
@@ -2149,7 +2682,7 @@
     </p:spTree>
     <p:extLst>
       <p:ext uri="{BB962C8B-B14F-4D97-AF65-F5344CB8AC3E}">
-        <p14:creationId xmlns:p14="http://schemas.microsoft.com/office/powerpoint/2010/main" val="4030595848"/>
+        <p14:creationId xmlns:p14="http://schemas.microsoft.com/office/powerpoint/2010/main" val="24610940"/>
       </p:ext>
     </p:extLst>
   </p:cSld>
@@ -2188,15 +2721,15 @@
         </p:nvSpPr>
         <p:spPr>
           <a:xfrm>
-            <a:off x="520712" y="695960"/>
-            <a:ext cx="2438192" cy="2435860"/>
+            <a:off x="495890" y="672042"/>
+            <a:ext cx="2321966" cy="2352146"/>
           </a:xfrm>
         </p:spPr>
         <p:txBody>
           <a:bodyPr anchor="b"/>
           <a:lstStyle>
             <a:lvl1pPr>
-              <a:defRPr sz="2645"/>
+              <a:defRPr sz="2519"/>
             </a:lvl1pPr>
           </a:lstStyle>
           <a:p>
@@ -2220,8 +2753,8 @@
         </p:nvSpPr>
         <p:spPr>
           <a:xfrm>
-            <a:off x="3213847" y="1503083"/>
-            <a:ext cx="3827085" cy="7418740"/>
+            <a:off x="3060646" y="1451426"/>
+            <a:ext cx="3644652" cy="7163777"/>
           </a:xfrm>
         </p:spPr>
         <p:txBody>
@@ -2229,39 +2762,39 @@
           <a:lstStyle>
             <a:lvl1pPr marL="0" indent="0">
               <a:buNone/>
-              <a:defRPr sz="2645"/>
+              <a:defRPr sz="2519"/>
             </a:lvl1pPr>
-            <a:lvl2pPr marL="377967" indent="0">
-              <a:buNone/>
-              <a:defRPr sz="2315"/>
+            <a:lvl2pPr marL="359954" indent="0">
+              <a:buNone/>
+              <a:defRPr sz="2204"/>
             </a:lvl2pPr>
-            <a:lvl3pPr marL="755934" indent="0">
-              <a:buNone/>
-              <a:defRPr sz="1984"/>
+            <a:lvl3pPr marL="719907" indent="0">
+              <a:buNone/>
+              <a:defRPr sz="1890"/>
             </a:lvl3pPr>
-            <a:lvl4pPr marL="1133902" indent="0">
-              <a:buNone/>
-              <a:defRPr sz="1653"/>
+            <a:lvl4pPr marL="1079861" indent="0">
+              <a:buNone/>
+              <a:defRPr sz="1575"/>
             </a:lvl4pPr>
-            <a:lvl5pPr marL="1511869" indent="0">
-              <a:buNone/>
-              <a:defRPr sz="1653"/>
+            <a:lvl5pPr marL="1439814" indent="0">
+              <a:buNone/>
+              <a:defRPr sz="1575"/>
             </a:lvl5pPr>
-            <a:lvl6pPr marL="1889836" indent="0">
-              <a:buNone/>
-              <a:defRPr sz="1653"/>
+            <a:lvl6pPr marL="1799768" indent="0">
+              <a:buNone/>
+              <a:defRPr sz="1575"/>
             </a:lvl6pPr>
-            <a:lvl7pPr marL="2267803" indent="0">
-              <a:buNone/>
-              <a:defRPr sz="1653"/>
+            <a:lvl7pPr marL="2159721" indent="0">
+              <a:buNone/>
+              <a:defRPr sz="1575"/>
             </a:lvl7pPr>
-            <a:lvl8pPr marL="2645771" indent="0">
-              <a:buNone/>
-              <a:defRPr sz="1653"/>
+            <a:lvl8pPr marL="2519675" indent="0">
+              <a:buNone/>
+              <a:defRPr sz="1575"/>
             </a:lvl8pPr>
-            <a:lvl9pPr marL="3023738" indent="0">
-              <a:buNone/>
-              <a:defRPr sz="1653"/>
+            <a:lvl9pPr marL="2879628" indent="0">
+              <a:buNone/>
+              <a:defRPr sz="1575"/>
             </a:lvl9pPr>
           </a:lstStyle>
           <a:p>
@@ -2285,8 +2818,8 @@
         </p:nvSpPr>
         <p:spPr>
           <a:xfrm>
-            <a:off x="520712" y="3131820"/>
-            <a:ext cx="2438192" cy="5802084"/>
+            <a:off x="495890" y="3024188"/>
+            <a:ext cx="2321966" cy="5602681"/>
           </a:xfrm>
         </p:spPr>
         <p:txBody>
@@ -2294,39 +2827,39 @@
           <a:lstStyle>
             <a:lvl1pPr marL="0" indent="0">
               <a:buNone/>
-              <a:defRPr sz="1323"/>
+              <a:defRPr sz="1260"/>
             </a:lvl1pPr>
-            <a:lvl2pPr marL="377967" indent="0">
-              <a:buNone/>
-              <a:defRPr sz="1157"/>
+            <a:lvl2pPr marL="359954" indent="0">
+              <a:buNone/>
+              <a:defRPr sz="1102"/>
             </a:lvl2pPr>
-            <a:lvl3pPr marL="755934" indent="0">
-              <a:buNone/>
-              <a:defRPr sz="992"/>
+            <a:lvl3pPr marL="719907" indent="0">
+              <a:buNone/>
+              <a:defRPr sz="945"/>
             </a:lvl3pPr>
-            <a:lvl4pPr marL="1133902" indent="0">
-              <a:buNone/>
-              <a:defRPr sz="827"/>
+            <a:lvl4pPr marL="1079861" indent="0">
+              <a:buNone/>
+              <a:defRPr sz="787"/>
             </a:lvl4pPr>
-            <a:lvl5pPr marL="1511869" indent="0">
-              <a:buNone/>
-              <a:defRPr sz="827"/>
+            <a:lvl5pPr marL="1439814" indent="0">
+              <a:buNone/>
+              <a:defRPr sz="787"/>
             </a:lvl5pPr>
-            <a:lvl6pPr marL="1889836" indent="0">
-              <a:buNone/>
-              <a:defRPr sz="827"/>
+            <a:lvl6pPr marL="1799768" indent="0">
+              <a:buNone/>
+              <a:defRPr sz="787"/>
             </a:lvl6pPr>
-            <a:lvl7pPr marL="2267803" indent="0">
-              <a:buNone/>
-              <a:defRPr sz="827"/>
+            <a:lvl7pPr marL="2159721" indent="0">
+              <a:buNone/>
+              <a:defRPr sz="787"/>
             </a:lvl7pPr>
-            <a:lvl8pPr marL="2645771" indent="0">
-              <a:buNone/>
-              <a:defRPr sz="827"/>
+            <a:lvl8pPr marL="2519675" indent="0">
+              <a:buNone/>
+              <a:defRPr sz="787"/>
             </a:lvl8pPr>
-            <a:lvl9pPr marL="3023738" indent="0">
-              <a:buNone/>
-              <a:defRPr sz="827"/>
+            <a:lvl9pPr marL="2879628" indent="0">
+              <a:buNone/>
+              <a:defRPr sz="787"/>
             </a:lvl9pPr>
           </a:lstStyle>
           <a:p>
@@ -2353,9 +2886,9 @@
           <a:bodyPr/>
           <a:lstStyle/>
           <a:p>
-            <a:fld id="{8413ABBB-157B-4E82-854F-6954E399671D}" type="datetimeFigureOut">
+            <a:fld id="{F30F028D-09CB-4438-BB93-EB757F0DDC34}" type="datetime1">
               <a:rPr lang="fr-FR" smtClean="0"/>
-              <a:t>20/02/2024</a:t>
+              <a:t>31/03/2024</a:t>
             </a:fld>
             <a:endParaRPr lang="fr-FR"/>
           </a:p>
@@ -2406,7 +2939,7 @@
     </p:spTree>
     <p:extLst>
       <p:ext uri="{BB962C8B-B14F-4D97-AF65-F5344CB8AC3E}">
-        <p14:creationId xmlns:p14="http://schemas.microsoft.com/office/powerpoint/2010/main" val="2309685372"/>
+        <p14:creationId xmlns:p14="http://schemas.microsoft.com/office/powerpoint/2010/main" val="4042137933"/>
       </p:ext>
     </p:extLst>
   </p:cSld>
@@ -2450,8 +2983,8 @@
         </p:nvSpPr>
         <p:spPr>
           <a:xfrm>
-            <a:off x="519728" y="555804"/>
-            <a:ext cx="6520220" cy="2017801"/>
+            <a:off x="494953" y="536702"/>
+            <a:ext cx="6209407" cy="1948455"/>
           </a:xfrm>
           <a:prstGeom prst="rect">
             <a:avLst/>
@@ -2483,8 +3016,8 @@
         </p:nvSpPr>
         <p:spPr>
           <a:xfrm>
-            <a:off x="519728" y="2779007"/>
-            <a:ext cx="6520220" cy="6623703"/>
+            <a:off x="494953" y="2683500"/>
+            <a:ext cx="6209407" cy="6396064"/>
           </a:xfrm>
           <a:prstGeom prst="rect">
             <a:avLst/>
@@ -2545,8 +3078,8 @@
         </p:nvSpPr>
         <p:spPr>
           <a:xfrm>
-            <a:off x="519728" y="9675780"/>
-            <a:ext cx="1700927" cy="555801"/>
+            <a:off x="494953" y="9343248"/>
+            <a:ext cx="1619845" cy="536700"/>
           </a:xfrm>
           <a:prstGeom prst="rect">
             <a:avLst/>
@@ -2556,7 +3089,7 @@
           <a:bodyPr vert="horz" lIns="91440" tIns="45720" rIns="91440" bIns="45720" rtlCol="0" anchor="ctr"/>
           <a:lstStyle>
             <a:lvl1pPr algn="l">
-              <a:defRPr sz="992">
+              <a:defRPr sz="945">
                 <a:solidFill>
                   <a:schemeClr val="tx1">
                     <a:tint val="75000"/>
@@ -2566,9 +3099,9 @@
             </a:lvl1pPr>
           </a:lstStyle>
           <a:p>
-            <a:fld id="{8413ABBB-157B-4E82-854F-6954E399671D}" type="datetimeFigureOut">
+            <a:fld id="{6D0102F8-A850-419B-B4A6-EBE3511B74F6}" type="datetime1">
               <a:rPr lang="fr-FR" smtClean="0"/>
-              <a:t>20/02/2024</a:t>
+              <a:t>31/03/2024</a:t>
             </a:fld>
             <a:endParaRPr lang="fr-FR"/>
           </a:p>
@@ -2586,8 +3119,8 @@
         </p:nvSpPr>
         <p:spPr>
           <a:xfrm>
-            <a:off x="2504143" y="9675780"/>
-            <a:ext cx="2551390" cy="555801"/>
+            <a:off x="2384773" y="9343248"/>
+            <a:ext cx="2429768" cy="536700"/>
           </a:xfrm>
           <a:prstGeom prst="rect">
             <a:avLst/>
@@ -2597,7 +3130,7 @@
           <a:bodyPr vert="horz" lIns="91440" tIns="45720" rIns="91440" bIns="45720" rtlCol="0" anchor="ctr"/>
           <a:lstStyle>
             <a:lvl1pPr algn="ctr">
-              <a:defRPr sz="992">
+              <a:defRPr sz="945">
                 <a:solidFill>
                   <a:schemeClr val="tx1">
                     <a:tint val="75000"/>
@@ -2623,8 +3156,8 @@
         </p:nvSpPr>
         <p:spPr>
           <a:xfrm>
-            <a:off x="5339020" y="9675780"/>
-            <a:ext cx="1700927" cy="555801"/>
+            <a:off x="5084515" y="9343248"/>
+            <a:ext cx="1619845" cy="536700"/>
           </a:xfrm>
           <a:prstGeom prst="rect">
             <a:avLst/>
@@ -2634,7 +3167,7 @@
           <a:bodyPr vert="horz" lIns="91440" tIns="45720" rIns="91440" bIns="45720" rtlCol="0" anchor="ctr"/>
           <a:lstStyle>
             <a:lvl1pPr algn="r">
-              <a:defRPr sz="992">
+              <a:defRPr sz="945">
                 <a:solidFill>
                   <a:schemeClr val="tx1">
                     <a:tint val="75000"/>
@@ -2655,27 +3188,28 @@
     </p:spTree>
     <p:extLst>
       <p:ext uri="{BB962C8B-B14F-4D97-AF65-F5344CB8AC3E}">
-        <p14:creationId xmlns:p14="http://schemas.microsoft.com/office/powerpoint/2010/main" val="1134667664"/>
+        <p14:creationId xmlns:p14="http://schemas.microsoft.com/office/powerpoint/2010/main" val="1784852744"/>
       </p:ext>
     </p:extLst>
   </p:cSld>
   <p:clrMap bg1="lt1" tx1="dk1" bg2="lt2" tx2="dk2" accent1="accent1" accent2="accent2" accent3="accent3" accent4="accent4" accent5="accent5" accent6="accent6" hlink="hlink" folHlink="folHlink"/>
   <p:sldLayoutIdLst>
-    <p:sldLayoutId id="2147483661" r:id="rId1"/>
-    <p:sldLayoutId id="2147483662" r:id="rId2"/>
-    <p:sldLayoutId id="2147483663" r:id="rId3"/>
-    <p:sldLayoutId id="2147483664" r:id="rId4"/>
-    <p:sldLayoutId id="2147483665" r:id="rId5"/>
-    <p:sldLayoutId id="2147483666" r:id="rId6"/>
-    <p:sldLayoutId id="2147483667" r:id="rId7"/>
-    <p:sldLayoutId id="2147483668" r:id="rId8"/>
-    <p:sldLayoutId id="2147483669" r:id="rId9"/>
-    <p:sldLayoutId id="2147483670" r:id="rId10"/>
-    <p:sldLayoutId id="2147483671" r:id="rId11"/>
+    <p:sldLayoutId id="2147483673" r:id="rId1"/>
+    <p:sldLayoutId id="2147483674" r:id="rId2"/>
+    <p:sldLayoutId id="2147483675" r:id="rId3"/>
+    <p:sldLayoutId id="2147483676" r:id="rId4"/>
+    <p:sldLayoutId id="2147483677" r:id="rId5"/>
+    <p:sldLayoutId id="2147483678" r:id="rId6"/>
+    <p:sldLayoutId id="2147483679" r:id="rId7"/>
+    <p:sldLayoutId id="2147483680" r:id="rId8"/>
+    <p:sldLayoutId id="2147483681" r:id="rId9"/>
+    <p:sldLayoutId id="2147483682" r:id="rId10"/>
+    <p:sldLayoutId id="2147483683" r:id="rId11"/>
   </p:sldLayoutIdLst>
+  <p:hf sldNum="0" hdr="0" ftr="0" dt="0"/>
   <p:txStyles>
     <p:titleStyle>
-      <a:lvl1pPr algn="l" defTabSz="755934" rtl="0" eaLnBrk="1" latinLnBrk="0" hangingPunct="1">
+      <a:lvl1pPr algn="l" defTabSz="719907" rtl="0" eaLnBrk="1" latinLnBrk="0" hangingPunct="1">
         <a:lnSpc>
           <a:spcPct val="90000"/>
         </a:lnSpc>
@@ -2683,7 +3217,7 @@
           <a:spcPct val="0"/>
         </a:spcBef>
         <a:buNone/>
-        <a:defRPr sz="3637" kern="1200">
+        <a:defRPr sz="3464" kern="1200">
           <a:solidFill>
             <a:schemeClr val="tx1"/>
           </a:solidFill>
@@ -2694,16 +3228,16 @@
       </a:lvl1pPr>
     </p:titleStyle>
     <p:bodyStyle>
-      <a:lvl1pPr marL="188984" indent="-188984" algn="l" defTabSz="755934" rtl="0" eaLnBrk="1" latinLnBrk="0" hangingPunct="1">
+      <a:lvl1pPr marL="179977" indent="-179977" algn="l" defTabSz="719907" rtl="0" eaLnBrk="1" latinLnBrk="0" hangingPunct="1">
         <a:lnSpc>
           <a:spcPct val="90000"/>
         </a:lnSpc>
         <a:spcBef>
-          <a:spcPts val="827"/>
+          <a:spcPts val="787"/>
         </a:spcBef>
         <a:buFont typeface="Arial" panose="020B0604020202020204" pitchFamily="34" charset="0"/>
         <a:buChar char="•"/>
-        <a:defRPr sz="2315" kern="1200">
+        <a:defRPr sz="2204" kern="1200">
           <a:solidFill>
             <a:schemeClr val="tx1"/>
           </a:solidFill>
@@ -2712,16 +3246,16 @@
           <a:cs typeface="+mn-cs"/>
         </a:defRPr>
       </a:lvl1pPr>
-      <a:lvl2pPr marL="566951" indent="-188984" algn="l" defTabSz="755934" rtl="0" eaLnBrk="1" latinLnBrk="0" hangingPunct="1">
+      <a:lvl2pPr marL="539930" indent="-179977" algn="l" defTabSz="719907" rtl="0" eaLnBrk="1" latinLnBrk="0" hangingPunct="1">
         <a:lnSpc>
           <a:spcPct val="90000"/>
         </a:lnSpc>
         <a:spcBef>
-          <a:spcPts val="413"/>
+          <a:spcPts val="394"/>
         </a:spcBef>
         <a:buFont typeface="Arial" panose="020B0604020202020204" pitchFamily="34" charset="0"/>
         <a:buChar char="•"/>
-        <a:defRPr sz="1984" kern="1200">
+        <a:defRPr sz="1890" kern="1200">
           <a:solidFill>
             <a:schemeClr val="tx1"/>
           </a:solidFill>
@@ -2730,16 +3264,16 @@
           <a:cs typeface="+mn-cs"/>
         </a:defRPr>
       </a:lvl2pPr>
-      <a:lvl3pPr marL="944918" indent="-188984" algn="l" defTabSz="755934" rtl="0" eaLnBrk="1" latinLnBrk="0" hangingPunct="1">
+      <a:lvl3pPr marL="899884" indent="-179977" algn="l" defTabSz="719907" rtl="0" eaLnBrk="1" latinLnBrk="0" hangingPunct="1">
         <a:lnSpc>
           <a:spcPct val="90000"/>
         </a:lnSpc>
         <a:spcBef>
-          <a:spcPts val="413"/>
+          <a:spcPts val="394"/>
         </a:spcBef>
         <a:buFont typeface="Arial" panose="020B0604020202020204" pitchFamily="34" charset="0"/>
         <a:buChar char="•"/>
-        <a:defRPr sz="1653" kern="1200">
+        <a:defRPr sz="1575" kern="1200">
           <a:solidFill>
             <a:schemeClr val="tx1"/>
           </a:solidFill>
@@ -2748,16 +3282,16 @@
           <a:cs typeface="+mn-cs"/>
         </a:defRPr>
       </a:lvl3pPr>
-      <a:lvl4pPr marL="1322885" indent="-188984" algn="l" defTabSz="755934" rtl="0" eaLnBrk="1" latinLnBrk="0" hangingPunct="1">
+      <a:lvl4pPr marL="1259837" indent="-179977" algn="l" defTabSz="719907" rtl="0" eaLnBrk="1" latinLnBrk="0" hangingPunct="1">
         <a:lnSpc>
           <a:spcPct val="90000"/>
         </a:lnSpc>
         <a:spcBef>
-          <a:spcPts val="413"/>
+          <a:spcPts val="394"/>
         </a:spcBef>
         <a:buFont typeface="Arial" panose="020B0604020202020204" pitchFamily="34" charset="0"/>
         <a:buChar char="•"/>
-        <a:defRPr sz="1488" kern="1200">
+        <a:defRPr sz="1417" kern="1200">
           <a:solidFill>
             <a:schemeClr val="tx1"/>
           </a:solidFill>
@@ -2766,16 +3300,16 @@
           <a:cs typeface="+mn-cs"/>
         </a:defRPr>
       </a:lvl4pPr>
-      <a:lvl5pPr marL="1700853" indent="-188984" algn="l" defTabSz="755934" rtl="0" eaLnBrk="1" latinLnBrk="0" hangingPunct="1">
+      <a:lvl5pPr marL="1619791" indent="-179977" algn="l" defTabSz="719907" rtl="0" eaLnBrk="1" latinLnBrk="0" hangingPunct="1">
         <a:lnSpc>
           <a:spcPct val="90000"/>
         </a:lnSpc>
         <a:spcBef>
-          <a:spcPts val="413"/>
+          <a:spcPts val="394"/>
         </a:spcBef>
         <a:buFont typeface="Arial" panose="020B0604020202020204" pitchFamily="34" charset="0"/>
         <a:buChar char="•"/>
-        <a:defRPr sz="1488" kern="1200">
+        <a:defRPr sz="1417" kern="1200">
           <a:solidFill>
             <a:schemeClr val="tx1"/>
           </a:solidFill>
@@ -2784,16 +3318,16 @@
           <a:cs typeface="+mn-cs"/>
         </a:defRPr>
       </a:lvl5pPr>
-      <a:lvl6pPr marL="2078820" indent="-188984" algn="l" defTabSz="755934" rtl="0" eaLnBrk="1" latinLnBrk="0" hangingPunct="1">
+      <a:lvl6pPr marL="1979745" indent="-179977" algn="l" defTabSz="719907" rtl="0" eaLnBrk="1" latinLnBrk="0" hangingPunct="1">
         <a:lnSpc>
           <a:spcPct val="90000"/>
         </a:lnSpc>
         <a:spcBef>
-          <a:spcPts val="413"/>
+          <a:spcPts val="394"/>
         </a:spcBef>
         <a:buFont typeface="Arial" panose="020B0604020202020204" pitchFamily="34" charset="0"/>
         <a:buChar char="•"/>
-        <a:defRPr sz="1488" kern="1200">
+        <a:defRPr sz="1417" kern="1200">
           <a:solidFill>
             <a:schemeClr val="tx1"/>
           </a:solidFill>
@@ -2802,16 +3336,16 @@
           <a:cs typeface="+mn-cs"/>
         </a:defRPr>
       </a:lvl6pPr>
-      <a:lvl7pPr marL="2456787" indent="-188984" algn="l" defTabSz="755934" rtl="0" eaLnBrk="1" latinLnBrk="0" hangingPunct="1">
+      <a:lvl7pPr marL="2339698" indent="-179977" algn="l" defTabSz="719907" rtl="0" eaLnBrk="1" latinLnBrk="0" hangingPunct="1">
         <a:lnSpc>
           <a:spcPct val="90000"/>
         </a:lnSpc>
         <a:spcBef>
-          <a:spcPts val="413"/>
+          <a:spcPts val="394"/>
         </a:spcBef>
         <a:buFont typeface="Arial" panose="020B0604020202020204" pitchFamily="34" charset="0"/>
         <a:buChar char="•"/>
-        <a:defRPr sz="1488" kern="1200">
+        <a:defRPr sz="1417" kern="1200">
           <a:solidFill>
             <a:schemeClr val="tx1"/>
           </a:solidFill>
@@ -2820,16 +3354,16 @@
           <a:cs typeface="+mn-cs"/>
         </a:defRPr>
       </a:lvl7pPr>
-      <a:lvl8pPr marL="2834754" indent="-188984" algn="l" defTabSz="755934" rtl="0" eaLnBrk="1" latinLnBrk="0" hangingPunct="1">
+      <a:lvl8pPr marL="2699652" indent="-179977" algn="l" defTabSz="719907" rtl="0" eaLnBrk="1" latinLnBrk="0" hangingPunct="1">
         <a:lnSpc>
           <a:spcPct val="90000"/>
         </a:lnSpc>
         <a:spcBef>
-          <a:spcPts val="413"/>
+          <a:spcPts val="394"/>
         </a:spcBef>
         <a:buFont typeface="Arial" panose="020B0604020202020204" pitchFamily="34" charset="0"/>
         <a:buChar char="•"/>
-        <a:defRPr sz="1488" kern="1200">
+        <a:defRPr sz="1417" kern="1200">
           <a:solidFill>
             <a:schemeClr val="tx1"/>
           </a:solidFill>
@@ -2838,16 +3372,16 @@
           <a:cs typeface="+mn-cs"/>
         </a:defRPr>
       </a:lvl8pPr>
-      <a:lvl9pPr marL="3212722" indent="-188984" algn="l" defTabSz="755934" rtl="0" eaLnBrk="1" latinLnBrk="0" hangingPunct="1">
+      <a:lvl9pPr marL="3059605" indent="-179977" algn="l" defTabSz="719907" rtl="0" eaLnBrk="1" latinLnBrk="0" hangingPunct="1">
         <a:lnSpc>
           <a:spcPct val="90000"/>
         </a:lnSpc>
         <a:spcBef>
-          <a:spcPts val="413"/>
+          <a:spcPts val="394"/>
         </a:spcBef>
         <a:buFont typeface="Arial" panose="020B0604020202020204" pitchFamily="34" charset="0"/>
         <a:buChar char="•"/>
-        <a:defRPr sz="1488" kern="1200">
+        <a:defRPr sz="1417" kern="1200">
           <a:solidFill>
             <a:schemeClr val="tx1"/>
           </a:solidFill>
@@ -2861,8 +3395,8 @@
       <a:defPPr>
         <a:defRPr lang="en-US"/>
       </a:defPPr>
-      <a:lvl1pPr marL="0" algn="l" defTabSz="755934" rtl="0" eaLnBrk="1" latinLnBrk="0" hangingPunct="1">
-        <a:defRPr sz="1488" kern="1200">
+      <a:lvl1pPr marL="0" algn="l" defTabSz="719907" rtl="0" eaLnBrk="1" latinLnBrk="0" hangingPunct="1">
+        <a:defRPr sz="1417" kern="1200">
           <a:solidFill>
             <a:schemeClr val="tx1"/>
           </a:solidFill>
@@ -2871,8 +3405,8 @@
           <a:cs typeface="+mn-cs"/>
         </a:defRPr>
       </a:lvl1pPr>
-      <a:lvl2pPr marL="377967" algn="l" defTabSz="755934" rtl="0" eaLnBrk="1" latinLnBrk="0" hangingPunct="1">
-        <a:defRPr sz="1488" kern="1200">
+      <a:lvl2pPr marL="359954" algn="l" defTabSz="719907" rtl="0" eaLnBrk="1" latinLnBrk="0" hangingPunct="1">
+        <a:defRPr sz="1417" kern="1200">
           <a:solidFill>
             <a:schemeClr val="tx1"/>
           </a:solidFill>
@@ -2881,8 +3415,8 @@
           <a:cs typeface="+mn-cs"/>
         </a:defRPr>
       </a:lvl2pPr>
-      <a:lvl3pPr marL="755934" algn="l" defTabSz="755934" rtl="0" eaLnBrk="1" latinLnBrk="0" hangingPunct="1">
-        <a:defRPr sz="1488" kern="1200">
+      <a:lvl3pPr marL="719907" algn="l" defTabSz="719907" rtl="0" eaLnBrk="1" latinLnBrk="0" hangingPunct="1">
+        <a:defRPr sz="1417" kern="1200">
           <a:solidFill>
             <a:schemeClr val="tx1"/>
           </a:solidFill>
@@ -2891,8 +3425,8 @@
           <a:cs typeface="+mn-cs"/>
         </a:defRPr>
       </a:lvl3pPr>
-      <a:lvl4pPr marL="1133902" algn="l" defTabSz="755934" rtl="0" eaLnBrk="1" latinLnBrk="0" hangingPunct="1">
-        <a:defRPr sz="1488" kern="1200">
+      <a:lvl4pPr marL="1079861" algn="l" defTabSz="719907" rtl="0" eaLnBrk="1" latinLnBrk="0" hangingPunct="1">
+        <a:defRPr sz="1417" kern="1200">
           <a:solidFill>
             <a:schemeClr val="tx1"/>
           </a:solidFill>
@@ -2901,8 +3435,8 @@
           <a:cs typeface="+mn-cs"/>
         </a:defRPr>
       </a:lvl4pPr>
-      <a:lvl5pPr marL="1511869" algn="l" defTabSz="755934" rtl="0" eaLnBrk="1" latinLnBrk="0" hangingPunct="1">
-        <a:defRPr sz="1488" kern="1200">
+      <a:lvl5pPr marL="1439814" algn="l" defTabSz="719907" rtl="0" eaLnBrk="1" latinLnBrk="0" hangingPunct="1">
+        <a:defRPr sz="1417" kern="1200">
           <a:solidFill>
             <a:schemeClr val="tx1"/>
           </a:solidFill>
@@ -2911,8 +3445,8 @@
           <a:cs typeface="+mn-cs"/>
         </a:defRPr>
       </a:lvl5pPr>
-      <a:lvl6pPr marL="1889836" algn="l" defTabSz="755934" rtl="0" eaLnBrk="1" latinLnBrk="0" hangingPunct="1">
-        <a:defRPr sz="1488" kern="1200">
+      <a:lvl6pPr marL="1799768" algn="l" defTabSz="719907" rtl="0" eaLnBrk="1" latinLnBrk="0" hangingPunct="1">
+        <a:defRPr sz="1417" kern="1200">
           <a:solidFill>
             <a:schemeClr val="tx1"/>
           </a:solidFill>
@@ -2921,8 +3455,8 @@
           <a:cs typeface="+mn-cs"/>
         </a:defRPr>
       </a:lvl6pPr>
-      <a:lvl7pPr marL="2267803" algn="l" defTabSz="755934" rtl="0" eaLnBrk="1" latinLnBrk="0" hangingPunct="1">
-        <a:defRPr sz="1488" kern="1200">
+      <a:lvl7pPr marL="2159721" algn="l" defTabSz="719907" rtl="0" eaLnBrk="1" latinLnBrk="0" hangingPunct="1">
+        <a:defRPr sz="1417" kern="1200">
           <a:solidFill>
             <a:schemeClr val="tx1"/>
           </a:solidFill>
@@ -2931,8 +3465,8 @@
           <a:cs typeface="+mn-cs"/>
         </a:defRPr>
       </a:lvl7pPr>
-      <a:lvl8pPr marL="2645771" algn="l" defTabSz="755934" rtl="0" eaLnBrk="1" latinLnBrk="0" hangingPunct="1">
-        <a:defRPr sz="1488" kern="1200">
+      <a:lvl8pPr marL="2519675" algn="l" defTabSz="719907" rtl="0" eaLnBrk="1" latinLnBrk="0" hangingPunct="1">
+        <a:defRPr sz="1417" kern="1200">
           <a:solidFill>
             <a:schemeClr val="tx1"/>
           </a:solidFill>
@@ -2941,8 +3475,8 @@
           <a:cs typeface="+mn-cs"/>
         </a:defRPr>
       </a:lvl8pPr>
-      <a:lvl9pPr marL="3023738" algn="l" defTabSz="755934" rtl="0" eaLnBrk="1" latinLnBrk="0" hangingPunct="1">
-        <a:defRPr sz="1488" kern="1200">
+      <a:lvl9pPr marL="2879628" algn="l" defTabSz="719907" rtl="0" eaLnBrk="1" latinLnBrk="0" hangingPunct="1">
+        <a:defRPr sz="1417" kern="1200">
           <a:solidFill>
             <a:schemeClr val="tx1"/>
           </a:solidFill>
@@ -2975,85 +3509,6 @@
       </p:grpSpPr>
       <p:graphicFrame>
         <p:nvGraphicFramePr>
-          <p:cNvPr id="6" name="Table 5"/>
-          <p:cNvGraphicFramePr>
-            <a:graphicFrameLocks noGrp="1"/>
-          </p:cNvGraphicFramePr>
-          <p:nvPr>
-            <p:extLst>
-              <p:ext uri="{D42A27DB-BD31-4B8C-83A1-F6EECF244321}">
-                <p14:modId xmlns:p14="http://schemas.microsoft.com/office/powerpoint/2010/main" val="108333929"/>
-              </p:ext>
-            </p:extLst>
-          </p:nvPr>
-        </p:nvGraphicFramePr>
-        <p:xfrm>
-          <a:off x="192314" y="201486"/>
-          <a:ext cx="7184572" cy="370840"/>
-        </p:xfrm>
-        <a:graphic>
-          <a:graphicData uri="http://schemas.openxmlformats.org/drawingml/2006/table">
-            <a:tbl>
-              <a:tblPr firstRow="1" bandRow="1">
-                <a:tableStyleId>{5940675A-B579-460E-94D1-54222C63F5DA}</a:tableStyleId>
-              </a:tblPr>
-              <a:tblGrid>
-                <a:gridCol w="3592286">
-                  <a:extLst>
-                    <a:ext uri="{9D8B030D-6E8A-4147-A177-3AD203B41FA5}">
-                      <a16:colId xmlns:a16="http://schemas.microsoft.com/office/drawing/2014/main" val="1415968613"/>
-                    </a:ext>
-                  </a:extLst>
-                </a:gridCol>
-                <a:gridCol w="3592286">
-                  <a:extLst>
-                    <a:ext uri="{9D8B030D-6E8A-4147-A177-3AD203B41FA5}">
-                      <a16:colId xmlns:a16="http://schemas.microsoft.com/office/drawing/2014/main" val="3360888931"/>
-                    </a:ext>
-                  </a:extLst>
-                </a:gridCol>
-              </a:tblGrid>
-              <a:tr h="370840">
-                <a:tc>
-                  <a:txBody>
-                    <a:bodyPr/>
-                    <a:lstStyle/>
-                    <a:p>
-                      <a:r>
-                        <a:rPr lang="fr-FR" dirty="0" smtClean="0"/>
-                        <a:t>Nom :</a:t>
-                      </a:r>
-                      <a:endParaRPr lang="fr-FR" dirty="0"/>
-                    </a:p>
-                  </a:txBody>
-                  <a:tcPr/>
-                </a:tc>
-                <a:tc>
-                  <a:txBody>
-                    <a:bodyPr/>
-                    <a:lstStyle/>
-                    <a:p>
-                      <a:r>
-                        <a:rPr lang="fr-FR" dirty="0" smtClean="0"/>
-                        <a:t>Prénom :</a:t>
-                      </a:r>
-                      <a:endParaRPr lang="fr-FR" dirty="0"/>
-                    </a:p>
-                  </a:txBody>
-                  <a:tcPr/>
-                </a:tc>
-                <a:extLst>
-                  <a:ext uri="{0D108BD9-81ED-4DB2-BD59-A6C34878D82A}">
-                    <a16:rowId xmlns:a16="http://schemas.microsoft.com/office/drawing/2014/main" val="1874593451"/>
-                  </a:ext>
-                </a:extLst>
-              </a:tr>
-            </a:tbl>
-          </a:graphicData>
-        </a:graphic>
-      </p:graphicFrame>
-      <p:graphicFrame>
-        <p:nvGraphicFramePr>
           <p:cNvPr id="7" name="Table 6"/>
           <p:cNvGraphicFramePr>
             <a:graphicFrameLocks noGrp="1"/>
@@ -3061,14 +3516,14 @@
           <p:nvPr>
             <p:extLst>
               <p:ext uri="{D42A27DB-BD31-4B8C-83A1-F6EECF244321}">
-                <p14:modId xmlns:p14="http://schemas.microsoft.com/office/powerpoint/2010/main" val="3810882901"/>
+                <p14:modId xmlns:p14="http://schemas.microsoft.com/office/powerpoint/2010/main" val="1319444123"/>
               </p:ext>
             </p:extLst>
           </p:nvPr>
         </p:nvGraphicFramePr>
         <p:xfrm>
-          <a:off x="192314" y="687715"/>
-          <a:ext cx="7184572" cy="3266059"/>
+          <a:off x="183147" y="434092"/>
+          <a:ext cx="6842090" cy="2966443"/>
         </p:xfrm>
         <a:graphic>
           <a:graphicData uri="http://schemas.openxmlformats.org/drawingml/2006/table">
@@ -3077,14 +3532,14 @@
                 <a:tableStyleId>{C083E6E3-FA7D-4D7B-A595-EF9225AFEA82}</a:tableStyleId>
               </a:tblPr>
               <a:tblGrid>
-                <a:gridCol w="3592286">
+                <a:gridCol w="3421045">
                   <a:extLst>
                     <a:ext uri="{9D8B030D-6E8A-4147-A177-3AD203B41FA5}">
                       <a16:colId xmlns:a16="http://schemas.microsoft.com/office/drawing/2014/main" val="1415968613"/>
                     </a:ext>
                   </a:extLst>
                 </a:gridCol>
-                <a:gridCol w="3592286">
+                <a:gridCol w="3421045">
                   <a:extLst>
                     <a:ext uri="{9D8B030D-6E8A-4147-A177-3AD203B41FA5}">
                       <a16:colId xmlns:a16="http://schemas.microsoft.com/office/drawing/2014/main" val="3360888931"/>
@@ -3092,7 +3547,7 @@
                   </a:extLst>
                 </a:gridCol>
               </a:tblGrid>
-              <a:tr h="370840">
+              <a:tr h="2966443">
                 <a:tc>
                   <a:txBody>
                     <a:bodyPr/>
@@ -3100,70 +3555,66 @@
                     <a:p>
                       <a:pPr algn="ctr"/>
                       <a:r>
-                        <a:rPr lang="fr-FR" sz="3200" dirty="0" smtClean="0"/>
+                        <a:rPr lang="fr-FR" sz="3000" dirty="0" smtClean="0"/>
                         <a:t>La</a:t>
                       </a:r>
                       <a:r>
-                        <a:rPr lang="fr-FR" sz="3200" baseline="0" dirty="0" smtClean="0"/>
-                        <a:t> </a:t>
+                        <a:rPr lang="fr-FR" sz="3000" baseline="0" dirty="0" smtClean="0"/>
+                        <a:t> rétractibilité </a:t>
                       </a:r>
-                      <a:r>
-                        <a:rPr lang="fr-FR" sz="3200" dirty="0" smtClean="0"/>
-                        <a:t>rétractibilité</a:t>
-                      </a:r>
-                      <a:endParaRPr lang="fr-FR" sz="3200" dirty="0"/>
+                      <a:endParaRPr lang="fr-FR" sz="3000" dirty="0"/>
                     </a:p>
                   </a:txBody>
-                  <a:tcPr anchor="ctr"/>
+                  <a:tcPr marL="87081" marR="87081" marT="43541" marB="43541" anchor="ctr"/>
                 </a:tc>
                 <a:tc>
                   <a:txBody>
                     <a:bodyPr/>
                     <a:lstStyle/>
                     <a:p>
-                      <a:endParaRPr lang="fr-FR" dirty="0" smtClean="0"/>
+                      <a:endParaRPr lang="fr-FR" sz="1300" dirty="0" smtClean="0"/>
                     </a:p>
                     <a:p>
-                      <a:endParaRPr lang="fr-FR" dirty="0" smtClean="0"/>
+                      <a:endParaRPr lang="fr-FR" sz="1300" dirty="0" smtClean="0"/>
                     </a:p>
                     <a:p>
-                      <a:endParaRPr lang="fr-FR" dirty="0" smtClean="0"/>
+                      <a:endParaRPr lang="fr-FR" sz="1300" dirty="0" smtClean="0"/>
                     </a:p>
                     <a:p>
-                      <a:endParaRPr lang="fr-FR" dirty="0" smtClean="0"/>
+                      <a:endParaRPr lang="fr-FR" sz="1300" dirty="0" smtClean="0"/>
                     </a:p>
                     <a:p>
-                      <a:endParaRPr lang="fr-FR" dirty="0" smtClean="0"/>
+                      <a:endParaRPr lang="fr-FR" sz="1300" dirty="0" smtClean="0"/>
                     </a:p>
                     <a:p>
-                      <a:endParaRPr lang="fr-FR" dirty="0" smtClean="0"/>
+                      <a:endParaRPr lang="fr-FR" sz="1300" dirty="0" smtClean="0"/>
                     </a:p>
                     <a:p>
-                      <a:endParaRPr lang="fr-FR" dirty="0" smtClean="0"/>
+                      <a:endParaRPr lang="fr-FR" sz="1300" dirty="0" smtClean="0"/>
                     </a:p>
                     <a:p>
-                      <a:endParaRPr lang="fr-FR" dirty="0" smtClean="0"/>
+                      <a:endParaRPr lang="fr-FR" sz="1300" dirty="0" smtClean="0"/>
                     </a:p>
                     <a:p>
-                      <a:endParaRPr lang="fr-FR" dirty="0" smtClean="0"/>
+                      <a:endParaRPr lang="fr-FR" sz="1300" dirty="0" smtClean="0"/>
                     </a:p>
                     <a:p>
-                      <a:endParaRPr lang="fr-FR" dirty="0" smtClean="0"/>
+                      <a:endParaRPr lang="fr-FR" sz="1300" dirty="0" smtClean="0"/>
                     </a:p>
                     <a:p>
-                      <a:endParaRPr lang="fr-FR" dirty="0" smtClean="0"/>
+                      <a:endParaRPr lang="fr-FR" sz="1300" dirty="0" smtClean="0"/>
                     </a:p>
                     <a:p>
-                      <a:endParaRPr lang="fr-FR" dirty="0" smtClean="0"/>
+                      <a:endParaRPr lang="fr-FR" sz="1300" dirty="0" smtClean="0"/>
                     </a:p>
                     <a:p>
-                      <a:endParaRPr lang="fr-FR" dirty="0" smtClean="0"/>
+                      <a:endParaRPr lang="fr-FR" sz="1300" dirty="0" smtClean="0"/>
                     </a:p>
                     <a:p>
-                      <a:endParaRPr lang="fr-FR" dirty="0"/>
+                      <a:endParaRPr lang="fr-FR" sz="1300" dirty="0"/>
                     </a:p>
                   </a:txBody>
-                  <a:tcPr/>
+                  <a:tcPr marL="87081" marR="87081" marT="43541" marB="43541"/>
                 </a:tc>
                 <a:extLst>
                   <a:ext uri="{0D108BD9-81ED-4DB2-BD59-A6C34878D82A}">
@@ -3184,14 +3635,14 @@
           <p:nvPr>
             <p:extLst>
               <p:ext uri="{D42A27DB-BD31-4B8C-83A1-F6EECF244321}">
-                <p14:modId xmlns:p14="http://schemas.microsoft.com/office/powerpoint/2010/main" val="3552361213"/>
+                <p14:modId xmlns:p14="http://schemas.microsoft.com/office/powerpoint/2010/main" val="756768418"/>
               </p:ext>
             </p:extLst>
           </p:nvPr>
         </p:nvGraphicFramePr>
         <p:xfrm>
-          <a:off x="192314" y="4069163"/>
-          <a:ext cx="7184572" cy="370840"/>
+          <a:off x="183147" y="3654350"/>
+          <a:ext cx="6842090" cy="353162"/>
         </p:xfrm>
         <a:graphic>
           <a:graphicData uri="http://schemas.openxmlformats.org/drawingml/2006/table">
@@ -3200,7 +3651,7 @@
                 <a:tableStyleId>{5940675A-B579-460E-94D1-54222C63F5DA}</a:tableStyleId>
               </a:tblPr>
               <a:tblGrid>
-                <a:gridCol w="7184572">
+                <a:gridCol w="6842090">
                   <a:extLst>
                     <a:ext uri="{9D8B030D-6E8A-4147-A177-3AD203B41FA5}">
                       <a16:colId xmlns:a16="http://schemas.microsoft.com/office/drawing/2014/main" val="1415968613"/>
@@ -3208,28 +3659,28 @@
                   </a:extLst>
                 </a:gridCol>
               </a:tblGrid>
-              <a:tr h="370840">
+              <a:tr h="353162">
                 <a:tc>
                   <a:txBody>
                     <a:bodyPr/>
                     <a:lstStyle/>
                     <a:p>
                       <a:r>
-                        <a:rPr lang="fr-FR" b="1" dirty="0" smtClean="0"/>
+                        <a:rPr lang="fr-FR" sz="1300" b="1" dirty="0" smtClean="0"/>
                         <a:t>Capacités générales utilisées</a:t>
                       </a:r>
                       <a:r>
-                        <a:rPr lang="fr-FR" b="1" baseline="0" dirty="0" smtClean="0"/>
+                        <a:rPr lang="fr-FR" sz="1300" b="1" baseline="0" dirty="0" smtClean="0"/>
                         <a:t> pour la séquence : </a:t>
                       </a:r>
                       <a:r>
-                        <a:rPr lang="fr-FR" baseline="0" dirty="0" smtClean="0"/>
-                        <a:t>C.2 / C.4</a:t>
+                        <a:rPr lang="fr-FR" sz="1300" baseline="0" dirty="0" smtClean="0"/>
+                        <a:t>C.2 </a:t>
                       </a:r>
-                      <a:endParaRPr lang="fr-FR" dirty="0"/>
+                      <a:endParaRPr lang="fr-FR" sz="1300" dirty="0"/>
                     </a:p>
                   </a:txBody>
-                  <a:tcPr/>
+                  <a:tcPr marL="87081" marR="87081" marT="43541" marB="43541"/>
                 </a:tc>
                 <a:extLst>
                   <a:ext uri="{0D108BD9-81ED-4DB2-BD59-A6C34878D82A}">
@@ -3250,14 +3701,14 @@
           <p:nvPr>
             <p:extLst>
               <p:ext uri="{D42A27DB-BD31-4B8C-83A1-F6EECF244321}">
-                <p14:modId xmlns:p14="http://schemas.microsoft.com/office/powerpoint/2010/main" val="447518811"/>
+                <p14:modId xmlns:p14="http://schemas.microsoft.com/office/powerpoint/2010/main" val="1740094612"/>
               </p:ext>
             </p:extLst>
           </p:nvPr>
         </p:nvGraphicFramePr>
         <p:xfrm>
-          <a:off x="192314" y="4555392"/>
-          <a:ext cx="7184572" cy="370840"/>
+          <a:off x="183147" y="4117401"/>
+          <a:ext cx="6842090" cy="353162"/>
         </p:xfrm>
         <a:graphic>
           <a:graphicData uri="http://schemas.openxmlformats.org/drawingml/2006/table">
@@ -3266,7 +3717,7 @@
                 <a:tableStyleId>{5940675A-B579-460E-94D1-54222C63F5DA}</a:tableStyleId>
               </a:tblPr>
               <a:tblGrid>
-                <a:gridCol w="7184572">
+                <a:gridCol w="6842090">
                   <a:extLst>
                     <a:ext uri="{9D8B030D-6E8A-4147-A177-3AD203B41FA5}">
                       <a16:colId xmlns:a16="http://schemas.microsoft.com/office/drawing/2014/main" val="1415968613"/>
@@ -3274,24 +3725,24 @@
                   </a:extLst>
                 </a:gridCol>
               </a:tblGrid>
-              <a:tr h="370840">
+              <a:tr h="353162">
                 <a:tc>
                   <a:txBody>
                     <a:bodyPr/>
                     <a:lstStyle/>
                     <a:p>
                       <a:r>
-                        <a:rPr lang="fr-FR" b="1" dirty="0" smtClean="0"/>
+                        <a:rPr lang="fr-FR" sz="1300" b="1" dirty="0" smtClean="0"/>
                         <a:t>Compétence</a:t>
                       </a:r>
                       <a:r>
-                        <a:rPr lang="fr-FR" baseline="0" dirty="0" smtClean="0"/>
+                        <a:rPr lang="fr-FR" sz="1300" baseline="0" dirty="0" smtClean="0"/>
                         <a:t> : Etablir un plan, Tracer et justifier son choix</a:t>
                       </a:r>
-                      <a:endParaRPr lang="fr-FR" dirty="0"/>
+                      <a:endParaRPr lang="fr-FR" sz="1300" dirty="0"/>
                     </a:p>
                   </a:txBody>
-                  <a:tcPr/>
+                  <a:tcPr marL="87081" marR="87081" marT="43541" marB="43541"/>
                 </a:tc>
                 <a:extLst>
                   <a:ext uri="{0D108BD9-81ED-4DB2-BD59-A6C34878D82A}">
@@ -3312,14 +3763,14 @@
           <p:nvPr>
             <p:extLst>
               <p:ext uri="{D42A27DB-BD31-4B8C-83A1-F6EECF244321}">
-                <p14:modId xmlns:p14="http://schemas.microsoft.com/office/powerpoint/2010/main" val="3535893836"/>
+                <p14:modId xmlns:p14="http://schemas.microsoft.com/office/powerpoint/2010/main" val="471412628"/>
               </p:ext>
             </p:extLst>
           </p:nvPr>
         </p:nvGraphicFramePr>
         <p:xfrm>
-          <a:off x="192314" y="5041621"/>
-          <a:ext cx="7184572" cy="370840"/>
+          <a:off x="183147" y="4580452"/>
+          <a:ext cx="6842090" cy="353162"/>
         </p:xfrm>
         <a:graphic>
           <a:graphicData uri="http://schemas.openxmlformats.org/drawingml/2006/table">
@@ -3328,7 +3779,7 @@
                 <a:tableStyleId>{5940675A-B579-460E-94D1-54222C63F5DA}</a:tableStyleId>
               </a:tblPr>
               <a:tblGrid>
-                <a:gridCol w="7184572">
+                <a:gridCol w="6842090">
                   <a:extLst>
                     <a:ext uri="{9D8B030D-6E8A-4147-A177-3AD203B41FA5}">
                       <a16:colId xmlns:a16="http://schemas.microsoft.com/office/drawing/2014/main" val="1415968613"/>
@@ -3336,28 +3787,28 @@
                   </a:extLst>
                 </a:gridCol>
               </a:tblGrid>
-              <a:tr h="370840">
+              <a:tr h="353162">
                 <a:tc>
                   <a:txBody>
                     <a:bodyPr/>
                     <a:lstStyle/>
                     <a:p>
                       <a:r>
-                        <a:rPr lang="fr-FR" b="1" dirty="0" smtClean="0"/>
+                        <a:rPr lang="fr-FR" sz="1300" b="1" dirty="0" smtClean="0"/>
                         <a:t>Savoir associés</a:t>
                       </a:r>
                       <a:r>
-                        <a:rPr lang="fr-FR" b="1" baseline="0" dirty="0" smtClean="0"/>
+                        <a:rPr lang="fr-FR" sz="1300" b="1" baseline="0" dirty="0" smtClean="0"/>
                         <a:t> </a:t>
                       </a:r>
                       <a:r>
-                        <a:rPr lang="fr-FR" baseline="0" dirty="0" smtClean="0"/>
+                        <a:rPr lang="fr-FR" sz="1300" baseline="0" dirty="0" smtClean="0"/>
                         <a:t>: S.2 La communication technique / S.5.2 Etude des ouvrages</a:t>
                       </a:r>
-                      <a:endParaRPr lang="fr-FR" dirty="0"/>
+                      <a:endParaRPr lang="fr-FR" sz="1300" dirty="0"/>
                     </a:p>
                   </a:txBody>
-                  <a:tcPr/>
+                  <a:tcPr marL="87081" marR="87081" marT="43541" marB="43541"/>
                 </a:tc>
                 <a:extLst>
                   <a:ext uri="{0D108BD9-81ED-4DB2-BD59-A6C34878D82A}">
@@ -3378,14 +3829,14 @@
           <p:nvPr>
             <p:extLst>
               <p:ext uri="{D42A27DB-BD31-4B8C-83A1-F6EECF244321}">
-                <p14:modId xmlns:p14="http://schemas.microsoft.com/office/powerpoint/2010/main" val="3056070264"/>
+                <p14:modId xmlns:p14="http://schemas.microsoft.com/office/powerpoint/2010/main" val="790483065"/>
               </p:ext>
             </p:extLst>
           </p:nvPr>
         </p:nvGraphicFramePr>
         <p:xfrm>
-          <a:off x="192314" y="5527850"/>
-          <a:ext cx="7184572" cy="370840"/>
+          <a:off x="183147" y="5043503"/>
+          <a:ext cx="6842090" cy="353162"/>
         </p:xfrm>
         <a:graphic>
           <a:graphicData uri="http://schemas.openxmlformats.org/drawingml/2006/table">
@@ -3394,7 +3845,7 @@
                 <a:tableStyleId>{5940675A-B579-460E-94D1-54222C63F5DA}</a:tableStyleId>
               </a:tblPr>
               <a:tblGrid>
-                <a:gridCol w="7184572">
+                <a:gridCol w="6842090">
                   <a:extLst>
                     <a:ext uri="{9D8B030D-6E8A-4147-A177-3AD203B41FA5}">
                       <a16:colId xmlns:a16="http://schemas.microsoft.com/office/drawing/2014/main" val="1415968613"/>
@@ -3402,28 +3853,24 @@
                   </a:extLst>
                 </a:gridCol>
               </a:tblGrid>
-              <a:tr h="370840">
+              <a:tr h="353162">
                 <a:tc>
                   <a:txBody>
                     <a:bodyPr/>
                     <a:lstStyle/>
                     <a:p>
                       <a:r>
-                        <a:rPr lang="fr-FR" b="1" dirty="0" smtClean="0"/>
+                        <a:rPr lang="fr-FR" sz="1300" b="1" dirty="0" smtClean="0"/>
                         <a:t>Contexte</a:t>
                       </a:r>
                       <a:r>
-                        <a:rPr lang="fr-FR" dirty="0" smtClean="0"/>
-                        <a:t> : Monsieur Dupont est un client qui à besoin d’un escalier</a:t>
+                        <a:rPr lang="fr-FR" sz="1300" dirty="0" smtClean="0"/>
+                        <a:t> : Monsieur Dupont est un client qui à besoin de deux escaliers</a:t>
                       </a:r>
-                      <a:r>
-                        <a:rPr lang="fr-FR" baseline="0" dirty="0" smtClean="0"/>
-                        <a:t> quart tournant</a:t>
-                      </a:r>
-                      <a:endParaRPr lang="fr-FR" dirty="0"/>
+                      <a:endParaRPr lang="fr-FR" sz="1300" dirty="0"/>
                     </a:p>
                   </a:txBody>
-                  <a:tcPr/>
+                  <a:tcPr marL="87081" marR="87081" marT="43541" marB="43541"/>
                 </a:tc>
                 <a:extLst>
                   <a:ext uri="{0D108BD9-81ED-4DB2-BD59-A6C34878D82A}">
@@ -3444,14 +3891,14 @@
           <p:nvPr>
             <p:extLst>
               <p:ext uri="{D42A27DB-BD31-4B8C-83A1-F6EECF244321}">
-                <p14:modId xmlns:p14="http://schemas.microsoft.com/office/powerpoint/2010/main" val="1130452044"/>
+                <p14:modId xmlns:p14="http://schemas.microsoft.com/office/powerpoint/2010/main" val="4071770533"/>
               </p:ext>
             </p:extLst>
           </p:nvPr>
         </p:nvGraphicFramePr>
         <p:xfrm>
-          <a:off x="192314" y="6014079"/>
-          <a:ext cx="7184572" cy="544957"/>
+          <a:off x="183147" y="5506553"/>
+          <a:ext cx="6842090" cy="704088"/>
         </p:xfrm>
         <a:graphic>
           <a:graphicData uri="http://schemas.openxmlformats.org/drawingml/2006/table">
@@ -3460,7 +3907,7 @@
                 <a:tableStyleId>{5940675A-B579-460E-94D1-54222C63F5DA}</a:tableStyleId>
               </a:tblPr>
               <a:tblGrid>
-                <a:gridCol w="7184572">
+                <a:gridCol w="6842090">
                   <a:extLst>
                     <a:ext uri="{9D8B030D-6E8A-4147-A177-3AD203B41FA5}">
                       <a16:colId xmlns:a16="http://schemas.microsoft.com/office/drawing/2014/main" val="1415968613"/>
@@ -3468,28 +3915,44 @@
                   </a:extLst>
                 </a:gridCol>
               </a:tblGrid>
-              <a:tr h="370840">
+              <a:tr h="704088">
                 <a:tc>
                   <a:txBody>
                     <a:bodyPr/>
                     <a:lstStyle/>
                     <a:p>
                       <a:r>
-                        <a:rPr lang="fr-FR" b="1" dirty="0" smtClean="0"/>
+                        <a:rPr lang="fr-FR" sz="1300" b="1" dirty="0" smtClean="0"/>
                         <a:t>Mise en situation </a:t>
                       </a:r>
                       <a:r>
-                        <a:rPr lang="fr-FR" dirty="0" smtClean="0"/>
-                        <a:t>: Afin de fabriquer</a:t>
+                        <a:rPr lang="fr-FR" sz="1300" dirty="0" smtClean="0"/>
+                        <a:t>: Monsieur Dupont à besoin que</a:t>
                       </a:r>
                       <a:r>
-                        <a:rPr lang="fr-FR" baseline="0" dirty="0" smtClean="0"/>
-                        <a:t> l’escalier demandé par le client, tracez les marches, calculez leurs hauteurs et faites des choix techniques et esthétiques </a:t>
+                        <a:rPr lang="fr-FR" sz="1300" baseline="0" dirty="0" smtClean="0"/>
+                        <a:t> vous fabriquiez</a:t>
                       </a:r>
-                      <a:endParaRPr lang="fr-FR" dirty="0"/>
+                      <a:r>
+                        <a:rPr lang="fr-FR" sz="1300" dirty="0" smtClean="0"/>
+                        <a:t> deux escaliers (un droit et un quart tournant) dans</a:t>
+                      </a:r>
+                      <a:r>
+                        <a:rPr lang="fr-FR" sz="1300" baseline="0" dirty="0" smtClean="0"/>
+                        <a:t> sa maison</a:t>
+                      </a:r>
+                      <a:r>
+                        <a:rPr lang="fr-FR" sz="1300" dirty="0" smtClean="0"/>
+                        <a:t>.</a:t>
+                      </a:r>
+                      <a:r>
+                        <a:rPr lang="fr-FR" sz="1300" baseline="0" dirty="0" smtClean="0"/>
+                        <a:t> Afin de répondre à son besoin vous déterminez le nombre de marches, la distance entre les nez de marche et vous tracez les escaliers sur un plan.</a:t>
+                      </a:r>
+                      <a:endParaRPr lang="fr-FR" sz="1300" dirty="0"/>
                     </a:p>
                   </a:txBody>
-                  <a:tcPr/>
+                  <a:tcPr marL="87081" marR="87081" marT="43541" marB="43541"/>
                 </a:tc>
                 <a:extLst>
                   <a:ext uri="{0D108BD9-81ED-4DB2-BD59-A6C34878D82A}">
@@ -3510,14 +3973,14 @@
           <p:nvPr>
             <p:extLst>
               <p:ext uri="{D42A27DB-BD31-4B8C-83A1-F6EECF244321}">
-                <p14:modId xmlns:p14="http://schemas.microsoft.com/office/powerpoint/2010/main" val="3785565468"/>
+                <p14:modId xmlns:p14="http://schemas.microsoft.com/office/powerpoint/2010/main" val="2750424074"/>
               </p:ext>
             </p:extLst>
           </p:nvPr>
         </p:nvGraphicFramePr>
         <p:xfrm>
-          <a:off x="192314" y="6674425"/>
-          <a:ext cx="7184572" cy="1451991"/>
+          <a:off x="183147" y="6351371"/>
+          <a:ext cx="6842090" cy="1115425"/>
         </p:xfrm>
         <a:graphic>
           <a:graphicData uri="http://schemas.openxmlformats.org/drawingml/2006/table">
@@ -3526,7 +3989,7 @@
                 <a:tableStyleId>{5940675A-B579-460E-94D1-54222C63F5DA}</a:tableStyleId>
               </a:tblPr>
               <a:tblGrid>
-                <a:gridCol w="7184572">
+                <a:gridCol w="6842090">
                   <a:extLst>
                     <a:ext uri="{9D8B030D-6E8A-4147-A177-3AD203B41FA5}">
                       <a16:colId xmlns:a16="http://schemas.microsoft.com/office/drawing/2014/main" val="1415968613"/>
@@ -3534,23 +3997,20 @@
                   </a:extLst>
                 </a:gridCol>
               </a:tblGrid>
-              <a:tr h="0">
+              <a:tr h="1115425">
                 <a:tc>
                   <a:txBody>
                     <a:bodyPr/>
                     <a:lstStyle/>
                     <a:p>
                       <a:r>
-                        <a:rPr lang="fr-FR" b="1" dirty="0" smtClean="0"/>
+                        <a:rPr lang="fr-FR" sz="1300" b="1" dirty="0" smtClean="0"/>
                         <a:t>Objectif</a:t>
                       </a:r>
                       <a:r>
-                        <a:rPr lang="fr-FR" dirty="0" smtClean="0"/>
+                        <a:rPr lang="fr-FR" sz="1300" dirty="0" smtClean="0"/>
                         <a:t> : L’élève doit être capable de :</a:t>
                       </a:r>
-                    </a:p>
-                    <a:p>
-                      <a:endParaRPr lang="fr-FR" dirty="0" smtClean="0"/>
                     </a:p>
                     <a:p>
                       <a:pPr marL="342900" indent="-342900">
@@ -3558,7 +4018,7 @@
                         <a:buChar char="•"/>
                       </a:pPr>
                       <a:r>
-                        <a:rPr lang="fr-FR" dirty="0" smtClean="0"/>
+                        <a:rPr lang="fr-FR" sz="1300" dirty="0" smtClean="0"/>
                         <a:t>Représenter et tracer les marches</a:t>
                       </a:r>
                     </a:p>
@@ -3568,12 +4028,12 @@
                         <a:buChar char="•"/>
                       </a:pPr>
                       <a:r>
-                        <a:rPr lang="fr-FR" dirty="0" smtClean="0"/>
+                        <a:rPr lang="fr-FR" sz="1300" dirty="0" smtClean="0"/>
                         <a:t>Déterminer</a:t>
                       </a:r>
                       <a:r>
-                        <a:rPr lang="fr-FR" baseline="0" dirty="0" smtClean="0"/>
-                        <a:t> les hauteurs de marches</a:t>
+                        <a:rPr lang="fr-FR" sz="1300" baseline="0" dirty="0" smtClean="0"/>
+                        <a:t> les hauteurs de marches et distance entre les nez de marche (giron)</a:t>
                       </a:r>
                     </a:p>
                     <a:p>
@@ -3582,8 +4042,8 @@
                         <a:buChar char="•"/>
                       </a:pPr>
                       <a:r>
-                        <a:rPr lang="fr-FR" baseline="0" dirty="0" smtClean="0"/>
-                        <a:t>Tracer le balancement</a:t>
+                        <a:rPr lang="fr-FR" sz="1300" baseline="0" dirty="0" smtClean="0"/>
+                        <a:t>Connaitre le balancement d’un escalier quart tournant</a:t>
                       </a:r>
                     </a:p>
                     <a:p>
@@ -3592,13 +4052,13 @@
                         <a:buChar char="•"/>
                       </a:pPr>
                       <a:r>
-                        <a:rPr lang="fr-FR" dirty="0" smtClean="0"/>
-                        <a:t>Réaliser des choix techniques et esthétiques</a:t>
+                        <a:rPr lang="fr-FR" sz="1300" dirty="0" smtClean="0"/>
+                        <a:t>Réaliser des choix techniques et esthétiques (loi de blondel)</a:t>
                       </a:r>
-                      <a:endParaRPr lang="fr-FR" dirty="0"/>
+                      <a:endParaRPr lang="fr-FR" sz="1300" dirty="0"/>
                     </a:p>
                   </a:txBody>
-                  <a:tcPr/>
+                  <a:tcPr marL="87081" marR="87081" marT="43541" marB="43541"/>
                 </a:tc>
                 <a:extLst>
                   <a:ext uri="{0D108BD9-81ED-4DB2-BD59-A6C34878D82A}">
@@ -3619,14 +4079,14 @@
           <p:nvPr>
             <p:extLst>
               <p:ext uri="{D42A27DB-BD31-4B8C-83A1-F6EECF244321}">
-                <p14:modId xmlns:p14="http://schemas.microsoft.com/office/powerpoint/2010/main" val="2357675321"/>
+                <p14:modId xmlns:p14="http://schemas.microsoft.com/office/powerpoint/2010/main" val="413613215"/>
               </p:ext>
             </p:extLst>
           </p:nvPr>
         </p:nvGraphicFramePr>
         <p:xfrm>
-          <a:off x="192314" y="8241805"/>
-          <a:ext cx="7184572" cy="771716"/>
+          <a:off x="183147" y="7628087"/>
+          <a:ext cx="6842090" cy="704088"/>
         </p:xfrm>
         <a:graphic>
           <a:graphicData uri="http://schemas.openxmlformats.org/drawingml/2006/table">
@@ -3635,7 +4095,7 @@
                 <a:tableStyleId>{5940675A-B579-460E-94D1-54222C63F5DA}</a:tableStyleId>
               </a:tblPr>
               <a:tblGrid>
-                <a:gridCol w="7184572">
+                <a:gridCol w="6842090">
                   <a:extLst>
                     <a:ext uri="{9D8B030D-6E8A-4147-A177-3AD203B41FA5}">
                       <a16:colId xmlns:a16="http://schemas.microsoft.com/office/drawing/2014/main" val="1415968613"/>
@@ -3643,29 +4103,40 @@
                   </a:extLst>
                 </a:gridCol>
               </a:tblGrid>
-              <a:tr h="0">
+              <a:tr h="704088">
                 <a:tc>
                   <a:txBody>
                     <a:bodyPr/>
                     <a:lstStyle/>
                     <a:p>
                       <a:r>
-                        <a:rPr lang="fr-FR" b="1" dirty="0" smtClean="0"/>
+                        <a:rPr lang="fr-FR" sz="1300" b="1" dirty="0" smtClean="0"/>
                         <a:t>On demande de </a:t>
                       </a:r>
                       <a:r>
-                        <a:rPr lang="fr-FR" dirty="0" smtClean="0"/>
+                        <a:rPr lang="fr-FR" sz="1300" dirty="0" smtClean="0"/>
                         <a:t>:</a:t>
                       </a:r>
                     </a:p>
                     <a:p>
-                      <a:endParaRPr lang="fr-FR" dirty="0" smtClean="0"/>
+                      <a:r>
+                        <a:rPr lang="fr-FR" sz="1300" dirty="0" smtClean="0"/>
+                        <a:t>      1.</a:t>
+                      </a:r>
+                      <a:r>
+                        <a:rPr lang="fr-FR" sz="1300" baseline="0" dirty="0" smtClean="0"/>
+                        <a:t> De calculer le nombre de marche et la distance entre les nez de marche</a:t>
+                      </a:r>
                     </a:p>
                     <a:p>
-                      <a:endParaRPr lang="fr-FR" dirty="0"/>
+                      <a:r>
+                        <a:rPr lang="fr-FR" sz="1300" baseline="0" dirty="0" smtClean="0"/>
+                        <a:t>      2. De tracer les escaliers</a:t>
+                      </a:r>
+                      <a:endParaRPr lang="fr-FR" sz="1300" dirty="0"/>
                     </a:p>
                   </a:txBody>
-                  <a:tcPr/>
+                  <a:tcPr marL="87081" marR="87081" marT="43541" marB="43541"/>
                 </a:tc>
                 <a:extLst>
                   <a:ext uri="{0D108BD9-81ED-4DB2-BD59-A6C34878D82A}">
@@ -3686,14 +4157,14 @@
           <p:nvPr>
             <p:extLst>
               <p:ext uri="{D42A27DB-BD31-4B8C-83A1-F6EECF244321}">
-                <p14:modId xmlns:p14="http://schemas.microsoft.com/office/powerpoint/2010/main" val="595687554"/>
+                <p14:modId xmlns:p14="http://schemas.microsoft.com/office/powerpoint/2010/main" val="3244098022"/>
               </p:ext>
             </p:extLst>
           </p:nvPr>
         </p:nvGraphicFramePr>
         <p:xfrm>
-          <a:off x="192314" y="9128910"/>
-          <a:ext cx="7184572" cy="771716"/>
+          <a:off x="183147" y="8472904"/>
+          <a:ext cx="6842090" cy="909756"/>
         </p:xfrm>
         <a:graphic>
           <a:graphicData uri="http://schemas.openxmlformats.org/drawingml/2006/table">
@@ -3702,7 +4173,7 @@
                 <a:tableStyleId>{5940675A-B579-460E-94D1-54222C63F5DA}</a:tableStyleId>
               </a:tblPr>
               <a:tblGrid>
-                <a:gridCol w="7184572">
+                <a:gridCol w="6842090">
                   <a:extLst>
                     <a:ext uri="{9D8B030D-6E8A-4147-A177-3AD203B41FA5}">
                       <a16:colId xmlns:a16="http://schemas.microsoft.com/office/drawing/2014/main" val="1415968613"/>
@@ -3710,29 +4181,49 @@
                   </a:extLst>
                 </a:gridCol>
               </a:tblGrid>
-              <a:tr h="0">
+              <a:tr h="909756">
                 <a:tc>
                   <a:txBody>
                     <a:bodyPr/>
                     <a:lstStyle/>
                     <a:p>
                       <a:r>
-                        <a:rPr lang="fr-FR" b="1" dirty="0" smtClean="0"/>
+                        <a:rPr lang="fr-FR" sz="1300" b="1" dirty="0" smtClean="0"/>
                         <a:t>On donne  </a:t>
                       </a:r>
                       <a:r>
-                        <a:rPr lang="fr-FR" dirty="0" smtClean="0"/>
+                        <a:rPr lang="fr-FR" sz="1300" dirty="0" smtClean="0"/>
                         <a:t>:</a:t>
                       </a:r>
                     </a:p>
                     <a:p>
-                      <a:endParaRPr lang="fr-FR" dirty="0" smtClean="0"/>
+                      <a:r>
+                        <a:rPr lang="fr-FR" sz="1300" dirty="0" smtClean="0"/>
+                        <a:t>       1.</a:t>
+                      </a:r>
+                      <a:r>
+                        <a:rPr lang="fr-FR" sz="1300" baseline="0" dirty="0" smtClean="0"/>
+                        <a:t> Le vocabulaire technique relatif aux escaliers</a:t>
+                      </a:r>
                     </a:p>
                     <a:p>
-                      <a:endParaRPr lang="fr-FR" dirty="0"/>
+                      <a:r>
+                        <a:rPr lang="fr-FR" sz="1300" dirty="0" smtClean="0"/>
+                        <a:t>       2. Les formules de calcul d’un escaliers droit et quart tournant</a:t>
+                      </a:r>
+                    </a:p>
+                    <a:p>
+                      <a:r>
+                        <a:rPr lang="fr-FR" sz="1300" dirty="0" smtClean="0"/>
+                        <a:t>       3. Les plans (vue</a:t>
+                      </a:r>
+                      <a:r>
+                        <a:rPr lang="fr-FR" sz="1300" baseline="0" dirty="0" smtClean="0"/>
+                        <a:t> de haut) à une échelle traçable sur feuille</a:t>
+                      </a:r>
                     </a:p>
                   </a:txBody>
-                  <a:tcPr/>
+                  <a:tcPr marL="87081" marR="87081" marT="43541" marB="43541"/>
                 </a:tc>
                 <a:extLst>
                   <a:ext uri="{0D108BD9-81ED-4DB2-BD59-A6C34878D82A}">
@@ -3746,55 +4237,26 @@
       </p:graphicFrame>
       <p:pic>
         <p:nvPicPr>
-          <p:cNvPr id="1026" name="Picture 2" descr="https://encrypted-tbn0.gstatic.com/images?q=tbn:ANd9GcRRUgkPO_ebOEyCF1E6mBsjGH9Vgi4lZNw1pjaAIzTxqrWO54NgH0F2yqBQBCCYu0Ipw8o&amp;usqp=CAU"/>
+          <p:cNvPr id="3" name="Picture 2"/>
           <p:cNvPicPr>
-            <a:picLocks noChangeAspect="1" noChangeArrowheads="1"/>
+            <a:picLocks noChangeAspect="1"/>
           </p:cNvPicPr>
           <p:nvPr/>
         </p:nvPicPr>
         <p:blipFill>
-          <a:blip r:embed="rId2">
-            <a:extLst>
-              <a:ext uri="{BEBA8EAE-BF5A-486C-A8C5-ECC9F3942E4B}">
-                <a14:imgProps xmlns:a14="http://schemas.microsoft.com/office/drawing/2010/main">
-                  <a14:imgLayer r:embed="rId3">
-                    <a14:imgEffect>
-                      <a14:sharpenSoften amount="25000"/>
-                    </a14:imgEffect>
-                    <a14:imgEffect>
-                      <a14:saturation sat="200000"/>
-                    </a14:imgEffect>
-                  </a14:imgLayer>
-                </a14:imgProps>
-              </a:ext>
-              <a:ext uri="{28A0092B-C50C-407E-A947-70E740481C1C}">
-                <a14:useLocalDpi xmlns:a14="http://schemas.microsoft.com/office/drawing/2010/main" val="0"/>
-              </a:ext>
-            </a:extLst>
-          </a:blip>
-          <a:srcRect/>
+          <a:blip r:embed="rId2"/>
           <a:stretch>
             <a:fillRect/>
           </a:stretch>
         </p:blipFill>
-        <p:spPr bwMode="auto">
+        <p:spPr>
           <a:xfrm>
-            <a:off x="4334811" y="963782"/>
-            <a:ext cx="2624447" cy="2731812"/>
+            <a:off x="3604192" y="599335"/>
+            <a:ext cx="3390492" cy="2779882"/>
           </a:xfrm>
           <a:prstGeom prst="rect">
             <a:avLst/>
           </a:prstGeom>
-          <a:noFill/>
-          <a:extLst>
-            <a:ext uri="{909E8E84-426E-40DD-AFC4-6F175D3DCCD1}">
-              <a14:hiddenFill xmlns:a14="http://schemas.microsoft.com/office/drawing/2010/main">
-                <a:solidFill>
-                  <a:srgbClr val="FFFFFF"/>
-                </a:solidFill>
-              </a14:hiddenFill>
-            </a:ext>
-          </a:extLst>
         </p:spPr>
       </p:pic>
     </p:spTree>
@@ -3807,6 +4269,13 @@
   <p:clrMapOvr>
     <a:masterClrMapping/>
   </p:clrMapOvr>
+  <p:timing>
+    <p:tnLst>
+      <p:par>
+        <p:cTn id="1" dur="indefinite" restart="never" nodeType="tmRoot"/>
+      </p:par>
+    </p:tnLst>
+  </p:timing>
 </p:sld>
 </file>
 
@@ -3835,8 +4304,8 @@
         </p:nvSpPr>
         <p:spPr>
           <a:xfrm>
-            <a:off x="222189" y="1104644"/>
-            <a:ext cx="7135741" cy="3108543"/>
+            <a:off x="211598" y="1313896"/>
+            <a:ext cx="3043716" cy="7681783"/>
           </a:xfrm>
           <a:prstGeom prst="rect">
             <a:avLst/>
@@ -3844,136 +4313,317 @@
           <a:noFill/>
         </p:spPr>
         <p:txBody>
-          <a:bodyPr wrap="square" numCol="2" rtlCol="0">
+          <a:bodyPr wrap="square" numCol="1" rtlCol="0">
             <a:spAutoFit/>
           </a:bodyPr>
           <a:lstStyle/>
           <a:p>
-            <a:r>
-              <a:rPr lang="fr-FR" sz="1400" dirty="0" smtClean="0"/>
-              <a:t>L’hygroscopicité</a:t>
-            </a:r>
-          </a:p>
-          <a:p>
-            <a:endParaRPr lang="fr-FR" sz="1400" dirty="0"/>
-          </a:p>
-          <a:p>
-            <a:r>
-              <a:rPr lang="fr-FR" sz="1400" dirty="0" smtClean="0"/>
-              <a:t>L’hygrométrie</a:t>
-            </a:r>
-          </a:p>
-          <a:p>
-            <a:endParaRPr lang="fr-FR" sz="1400" dirty="0"/>
-          </a:p>
-          <a:p>
-            <a:r>
-              <a:rPr lang="fr-FR" sz="1400" dirty="0" smtClean="0"/>
-              <a:t>Anhydre</a:t>
-            </a:r>
-          </a:p>
-          <a:p>
-            <a:endParaRPr lang="fr-FR" sz="1400" dirty="0"/>
-          </a:p>
-          <a:p>
-            <a:r>
-              <a:rPr lang="fr-FR" sz="1400" dirty="0" smtClean="0"/>
-              <a:t>Humide</a:t>
-            </a:r>
-          </a:p>
-          <a:p>
-            <a:endParaRPr lang="fr-FR" sz="1400" dirty="0"/>
-          </a:p>
-          <a:p>
-            <a:r>
-              <a:rPr lang="fr-FR" sz="1400" dirty="0" smtClean="0"/>
-              <a:t>Axiale</a:t>
-            </a:r>
-          </a:p>
-          <a:p>
-            <a:endParaRPr lang="fr-FR" sz="1400" dirty="0"/>
-          </a:p>
-          <a:p>
-            <a:r>
-              <a:rPr lang="fr-FR" sz="1400" dirty="0" smtClean="0"/>
-              <a:t>Radiale</a:t>
-            </a:r>
-          </a:p>
-          <a:p>
-            <a:endParaRPr lang="fr-FR" sz="1400" dirty="0"/>
-          </a:p>
-          <a:p>
-            <a:r>
-              <a:rPr lang="fr-FR" sz="1400" dirty="0" smtClean="0"/>
-              <a:t>Tangentielle</a:t>
-            </a:r>
-          </a:p>
-          <a:p>
-            <a:endParaRPr lang="fr-FR" sz="1400" dirty="0"/>
-          </a:p>
-          <a:p>
-            <a:endParaRPr lang="fr-FR" sz="1400" dirty="0" smtClean="0"/>
-          </a:p>
-          <a:p>
-            <a:endParaRPr lang="fr-FR" sz="1400" dirty="0"/>
-          </a:p>
-          <a:p>
-            <a:endParaRPr lang="fr-FR" sz="1400" dirty="0" smtClean="0"/>
-          </a:p>
-          <a:p>
-            <a:endParaRPr lang="fr-FR" sz="1400" dirty="0" smtClean="0"/>
-          </a:p>
-          <a:p>
-            <a:endParaRPr lang="fr-FR" sz="1400" dirty="0"/>
-          </a:p>
-          <a:p>
-            <a:endParaRPr lang="fr-FR" sz="1400" dirty="0" smtClean="0"/>
-          </a:p>
-          <a:p>
-            <a:endParaRPr lang="fr-FR" sz="1400" dirty="0"/>
-          </a:p>
-          <a:p>
-            <a:endParaRPr lang="fr-FR" sz="1400" dirty="0" smtClean="0"/>
-          </a:p>
-          <a:p>
-            <a:endParaRPr lang="fr-FR" sz="1400" dirty="0" smtClean="0"/>
-          </a:p>
-          <a:p>
-            <a:endParaRPr lang="fr-FR" sz="1400" dirty="0" smtClean="0"/>
-          </a:p>
-          <a:p>
-            <a:endParaRPr lang="fr-FR" sz="1400" dirty="0" smtClean="0"/>
-          </a:p>
-          <a:p>
-            <a:endParaRPr lang="fr-FR" dirty="0"/>
-          </a:p>
-          <a:p>
-            <a:endParaRPr lang="fr-FR" dirty="0"/>
-          </a:p>
-        </p:txBody>
-      </p:sp>
-      <p:sp>
-        <p:nvSpPr>
-          <p:cNvPr id="6" name="TextBox 5"/>
-          <p:cNvSpPr txBox="1"/>
+            <a:endParaRPr lang="fr-FR" sz="1333" dirty="0"/>
+          </a:p>
+          <a:p>
+            <a:r>
+              <a:rPr lang="fr-FR" sz="1333" b="1" dirty="0"/>
+              <a:t>La contremarche : </a:t>
+            </a:r>
+            <a:r>
+              <a:rPr lang="fr-FR" sz="1333" dirty="0"/>
+              <a:t>Partie verticale de chaque marche d'un escalier.</a:t>
+            </a:r>
+          </a:p>
+          <a:p>
+            <a:endParaRPr lang="fr-FR" sz="1333" dirty="0"/>
+          </a:p>
+          <a:p>
+            <a:r>
+              <a:rPr lang="fr-FR" sz="1333" b="1" dirty="0"/>
+              <a:t>Le limon : </a:t>
+            </a:r>
+            <a:r>
+              <a:rPr lang="fr-FR" sz="1333" dirty="0"/>
+              <a:t>Il a un rôle à la fois fonctionnel et esthétique. Il permet de dissimuler les parties latérales des marches et d'habiller l'escalier mais aussi de supporter le poids des </a:t>
+            </a:r>
+            <a:r>
+              <a:rPr lang="fr-FR" sz="1333" dirty="0" smtClean="0"/>
+              <a:t>marches et de </a:t>
+            </a:r>
+            <a:r>
+              <a:rPr lang="fr-FR" sz="1333" dirty="0"/>
+              <a:t>ceux qui empruntent l'escalier.</a:t>
+            </a:r>
+          </a:p>
+          <a:p>
+            <a:endParaRPr lang="fr-FR" sz="1333" dirty="0"/>
+          </a:p>
+          <a:p>
+            <a:r>
+              <a:rPr lang="fr-FR" sz="1333" b="1" dirty="0"/>
+              <a:t>La crémaillère : </a:t>
+            </a:r>
+            <a:r>
+              <a:rPr lang="fr-FR" sz="1333" dirty="0"/>
+              <a:t>Limon dont la face supérieure épouse la forme de l'escalier et sur laquelle reposent les marches.</a:t>
+            </a:r>
+          </a:p>
+          <a:p>
+            <a:endParaRPr lang="fr-FR" sz="1333" dirty="0"/>
+          </a:p>
+          <a:p>
+            <a:r>
+              <a:rPr lang="fr-FR" sz="1333" b="1" dirty="0"/>
+              <a:t>La ligne de foulée : </a:t>
+            </a:r>
+            <a:r>
+              <a:rPr lang="fr-FR" sz="1333" dirty="0"/>
+              <a:t>une ligne imaginaire représentant la trajectoire théorique </a:t>
+            </a:r>
+            <a:r>
+              <a:rPr lang="fr-FR" sz="1333" dirty="0" smtClean="0"/>
+              <a:t>lorsque </a:t>
+            </a:r>
+            <a:r>
+              <a:rPr lang="fr-FR" sz="1333" dirty="0"/>
+              <a:t>l'on monte ou que l'on descend l'escalier.</a:t>
+            </a:r>
+          </a:p>
+          <a:p>
+            <a:endParaRPr lang="fr-FR" sz="1333" dirty="0"/>
+          </a:p>
+          <a:p>
+            <a:r>
+              <a:rPr lang="fr-FR" sz="1333" b="1" dirty="0"/>
+              <a:t>La main courante : </a:t>
+            </a:r>
+            <a:r>
+              <a:rPr lang="fr-FR" sz="1333" dirty="0"/>
+              <a:t>Une </a:t>
+            </a:r>
+            <a:r>
+              <a:rPr lang="fr-FR" sz="1333" i="1" dirty="0"/>
+              <a:t>main courante</a:t>
+            </a:r>
+            <a:r>
+              <a:rPr lang="fr-FR" sz="1333" dirty="0"/>
+              <a:t> est une rampe disposée le long d'un </a:t>
+            </a:r>
+            <a:r>
+              <a:rPr lang="fr-FR" sz="1333" i="1" dirty="0"/>
+              <a:t>escalier</a:t>
+            </a:r>
+            <a:r>
+              <a:rPr lang="fr-FR" sz="1333" dirty="0"/>
+              <a:t> en guise de sécurité.</a:t>
+            </a:r>
+          </a:p>
+          <a:p>
+            <a:endParaRPr lang="fr-FR" sz="1333" dirty="0"/>
+          </a:p>
+          <a:p>
+            <a:r>
+              <a:rPr lang="fr-FR" sz="1333" b="1" dirty="0"/>
+              <a:t>La lisse : </a:t>
+            </a:r>
+            <a:r>
+              <a:rPr lang="fr-FR" sz="1333" dirty="0"/>
+              <a:t>P</a:t>
+            </a:r>
+            <a:r>
+              <a:rPr lang="fr-FR" sz="1333" dirty="0" smtClean="0"/>
+              <a:t>ièce </a:t>
+            </a:r>
+            <a:r>
+              <a:rPr lang="fr-FR" sz="1333" dirty="0"/>
+              <a:t>parallèle basse à la main courante. Pièce basse d'un garde-corps, d'une barrière de sécurité.</a:t>
+            </a:r>
+          </a:p>
+          <a:p>
+            <a:endParaRPr lang="fr-FR" sz="1333" dirty="0"/>
+          </a:p>
+          <a:p>
+            <a:r>
+              <a:rPr lang="fr-FR" sz="1333" b="1" dirty="0"/>
+              <a:t>Le giron : </a:t>
+            </a:r>
+            <a:r>
+              <a:rPr lang="fr-FR" sz="1333" dirty="0"/>
+              <a:t>la distance horizontale d’un nez de marche au nez de marche suivant.</a:t>
+            </a:r>
+            <a:endParaRPr lang="fr-FR" sz="1333" b="1" dirty="0"/>
+          </a:p>
+          <a:p>
+            <a:endParaRPr lang="fr-FR" sz="1333" dirty="0"/>
+          </a:p>
+          <a:p>
+            <a:r>
+              <a:rPr lang="fr-FR" sz="1333" b="1" dirty="0"/>
+              <a:t>Le garde-corps : </a:t>
+            </a:r>
+            <a:r>
+              <a:rPr lang="fr-FR" sz="1333" dirty="0"/>
+              <a:t>ensemble qui regroupe  la main courante, la lisse et les barreaux de séparation.</a:t>
+            </a:r>
+          </a:p>
+          <a:p>
+            <a:endParaRPr lang="fr-FR" sz="1333" dirty="0"/>
+          </a:p>
+          <a:p>
+            <a:r>
+              <a:rPr lang="fr-FR" sz="1333" b="1" dirty="0"/>
+              <a:t>Le nez de marche : </a:t>
+            </a:r>
+            <a:r>
+              <a:rPr lang="fr-FR" sz="1333" dirty="0"/>
+              <a:t>le bord de la marche.</a:t>
+            </a:r>
+          </a:p>
+          <a:p>
+            <a:endParaRPr lang="fr-FR" sz="1333" dirty="0"/>
+          </a:p>
+        </p:txBody>
+      </p:sp>
+      <p:pic>
+        <p:nvPicPr>
+          <p:cNvPr id="2" name="Picture 1"/>
+          <p:cNvPicPr>
+            <a:picLocks noChangeAspect="1"/>
+          </p:cNvPicPr>
           <p:nvPr/>
-        </p:nvSpPr>
+        </p:nvPicPr>
+        <p:blipFill>
+          <a:blip r:embed="rId2" cstate="print">
+            <a:grayscl/>
+            <a:extLst>
+              <a:ext uri="{BEBA8EAE-BF5A-486C-A8C5-ECC9F3942E4B}">
+                <a14:imgProps xmlns:a14="http://schemas.microsoft.com/office/drawing/2010/main">
+                  <a14:imgLayer r:embed="rId3">
+                    <a14:imgEffect>
+                      <a14:sharpenSoften amount="25000"/>
+                    </a14:imgEffect>
+                    <a14:imgEffect>
+                      <a14:brightnessContrast contrast="40000"/>
+                    </a14:imgEffect>
+                  </a14:imgLayer>
+                </a14:imgProps>
+              </a:ext>
+              <a:ext uri="{28A0092B-C50C-407E-A947-70E740481C1C}">
+                <a14:useLocalDpi xmlns:a14="http://schemas.microsoft.com/office/drawing/2010/main" val="0"/>
+              </a:ext>
+            </a:extLst>
+          </a:blip>
+          <a:stretch>
+            <a:fillRect/>
+          </a:stretch>
+        </p:blipFill>
         <p:spPr>
           <a:xfrm>
-            <a:off x="222189" y="267137"/>
-            <a:ext cx="7135741" cy="461665"/>
+            <a:off x="3255316" y="7145915"/>
+            <a:ext cx="2555040" cy="2555040"/>
           </a:xfrm>
           <a:prstGeom prst="rect">
             <a:avLst/>
           </a:prstGeom>
-          <a:effectLst>
-            <a:glow rad="228600">
-              <a:schemeClr val="accent3">
-                <a:satMod val="175000"/>
-                <a:alpha val="40000"/>
-              </a:schemeClr>
-            </a:glow>
-          </a:effectLst>
+        </p:spPr>
+      </p:pic>
+      <p:cxnSp>
+        <p:nvCxnSpPr>
+          <p:cNvPr id="4" name="Straight Arrow Connector 3"/>
+          <p:cNvCxnSpPr/>
+          <p:nvPr/>
+        </p:nvCxnSpPr>
+        <p:spPr>
+          <a:xfrm flipH="1">
+            <a:off x="4976955" y="8272823"/>
+            <a:ext cx="1059121" cy="0"/>
+          </a:xfrm>
+          <a:prstGeom prst="straightConnector1">
+            <a:avLst/>
+          </a:prstGeom>
+          <a:ln>
+            <a:tailEnd type="triangle"/>
+          </a:ln>
+        </p:spPr>
+        <p:style>
+          <a:lnRef idx="3">
+            <a:schemeClr val="dk1"/>
+          </a:lnRef>
+          <a:fillRef idx="0">
+            <a:schemeClr val="dk1"/>
+          </a:fillRef>
+          <a:effectRef idx="2">
+            <a:schemeClr val="dk1"/>
+          </a:effectRef>
+          <a:fontRef idx="minor">
+            <a:schemeClr val="tx1"/>
+          </a:fontRef>
+        </p:style>
+      </p:cxnSp>
+      <p:pic>
+        <p:nvPicPr>
+          <p:cNvPr id="13" name="Picture 12"/>
+          <p:cNvPicPr>
+            <a:picLocks noChangeAspect="1"/>
+          </p:cNvPicPr>
+          <p:nvPr/>
+        </p:nvPicPr>
+        <p:blipFill>
+          <a:blip r:embed="rId4"/>
+          <a:stretch>
+            <a:fillRect/>
+          </a:stretch>
+        </p:blipFill>
+        <p:spPr>
+          <a:xfrm>
+            <a:off x="3575683" y="922334"/>
+            <a:ext cx="3431502" cy="6064738"/>
+          </a:xfrm>
+          <a:prstGeom prst="rect">
+            <a:avLst/>
+          </a:prstGeom>
+        </p:spPr>
+      </p:pic>
+      <p:sp>
+        <p:nvSpPr>
+          <p:cNvPr id="14" name="TextBox 13"/>
+          <p:cNvSpPr txBox="1"/>
+          <p:nvPr/>
+        </p:nvSpPr>
+        <p:spPr>
+          <a:xfrm>
+            <a:off x="4976956" y="8029465"/>
+            <a:ext cx="1983691" cy="238848"/>
+          </a:xfrm>
+          <a:prstGeom prst="rect">
+            <a:avLst/>
+          </a:prstGeom>
+          <a:noFill/>
+        </p:spPr>
+        <p:txBody>
+          <a:bodyPr wrap="square" rtlCol="0">
+            <a:spAutoFit/>
+          </a:bodyPr>
+          <a:lstStyle/>
+          <a:p>
+            <a:r>
+              <a:rPr lang="fr-FR" sz="952" dirty="0"/>
+              <a:t>Escalier à trois crémaillères</a:t>
+            </a:r>
+          </a:p>
+        </p:txBody>
+      </p:sp>
+      <p:sp>
+        <p:nvSpPr>
+          <p:cNvPr id="8" name="TextBox 7"/>
+          <p:cNvSpPr txBox="1"/>
+          <p:nvPr/>
+        </p:nvSpPr>
+        <p:spPr>
+          <a:xfrm>
+            <a:off x="211598" y="323833"/>
+            <a:ext cx="6795587" cy="444096"/>
+          </a:xfrm>
+          <a:prstGeom prst="rect">
+            <a:avLst/>
+          </a:prstGeom>
+          <a:effectLst/>
         </p:spPr>
         <p:style>
           <a:lnRef idx="2">
@@ -3997,14 +4647,9 @@
           <a:p>
             <a:pPr algn="ctr"/>
             <a:r>
-              <a:rPr lang="fr-FR" sz="2400" dirty="0" smtClean="0"/>
-              <a:t>Vocabulaire relatif à la </a:t>
-            </a:r>
-            <a:r>
-              <a:rPr lang="fr-FR" sz="2400" dirty="0" err="1" smtClean="0"/>
-              <a:t>retractibilité</a:t>
-            </a:r>
-            <a:endParaRPr lang="fr-FR" sz="2400" dirty="0"/>
+              <a:rPr lang="fr-FR" sz="2286" dirty="0"/>
+              <a:t>Vocabulaire relatif aux escaliers	1/2</a:t>
+            </a:r>
           </a:p>
         </p:txBody>
       </p:sp>
@@ -4018,36 +4663,13 @@
   <p:clrMapOvr>
     <a:masterClrMapping/>
   </p:clrMapOvr>
-</p:sld>
-</file>
-
-<file path=ppt/slides/slide3.xml><?xml version="1.0" encoding="utf-8"?>
-<p:sld xmlns:a="http://schemas.openxmlformats.org/drawingml/2006/main" xmlns:r="http://schemas.openxmlformats.org/officeDocument/2006/relationships" xmlns:p="http://schemas.openxmlformats.org/presentationml/2006/main">
-  <p:cSld>
-    <p:spTree>
-      <p:nvGrpSpPr>
-        <p:cNvPr id="1" name=""/>
-        <p:cNvGrpSpPr/>
-        <p:nvPr/>
-      </p:nvGrpSpPr>
-      <p:grpSpPr>
-        <a:xfrm>
-          <a:off x="0" y="0"/>
-          <a:ext cx="0" cy="0"/>
-          <a:chOff x="0" y="0"/>
-          <a:chExt cx="0" cy="0"/>
-        </a:xfrm>
-      </p:grpSpPr>
-    </p:spTree>
-    <p:extLst>
-      <p:ext uri="{BB962C8B-B14F-4D97-AF65-F5344CB8AC3E}">
-        <p14:creationId xmlns:p14="http://schemas.microsoft.com/office/powerpoint/2010/main" val="1602086333"/>
-      </p:ext>
-    </p:extLst>
-  </p:cSld>
-  <p:clrMapOvr>
-    <a:masterClrMapping/>
-  </p:clrMapOvr>
+  <p:timing>
+    <p:tnLst>
+      <p:par>
+        <p:cTn id="1" dur="indefinite" restart="never" nodeType="tmRoot"/>
+      </p:par>
+    </p:tnLst>
+  </p:timing>
 </p:sld>
 </file>
 
@@ -4310,4 +4932,526 @@
     </a:ext>
   </a:extLst>
 </a:theme>
+</file>
+
+<file path=ppt/theme/theme2.xml><?xml version="1.0" encoding="utf-8"?>
+<a:theme xmlns:a="http://schemas.openxmlformats.org/drawingml/2006/main" name="Office Theme">
+  <a:themeElements>
+    <a:clrScheme name="Office">
+      <a:dk1>
+        <a:sysClr val="windowText" lastClr="000000"/>
+      </a:dk1>
+      <a:lt1>
+        <a:sysClr val="window" lastClr="FFFFFF"/>
+      </a:lt1>
+      <a:dk2>
+        <a:srgbClr val="44546A"/>
+      </a:dk2>
+      <a:lt2>
+        <a:srgbClr val="E7E6E6"/>
+      </a:lt2>
+      <a:accent1>
+        <a:srgbClr val="5B9BD5"/>
+      </a:accent1>
+      <a:accent2>
+        <a:srgbClr val="ED7D31"/>
+      </a:accent2>
+      <a:accent3>
+        <a:srgbClr val="A5A5A5"/>
+      </a:accent3>
+      <a:accent4>
+        <a:srgbClr val="FFC000"/>
+      </a:accent4>
+      <a:accent5>
+        <a:srgbClr val="4472C4"/>
+      </a:accent5>
+      <a:accent6>
+        <a:srgbClr val="70AD47"/>
+      </a:accent6>
+      <a:hlink>
+        <a:srgbClr val="0563C1"/>
+      </a:hlink>
+      <a:folHlink>
+        <a:srgbClr val="954F72"/>
+      </a:folHlink>
+    </a:clrScheme>
+    <a:fontScheme name="Office">
+      <a:majorFont>
+        <a:latin typeface="Calibri Light" panose="020F0302020204030204"/>
+        <a:ea typeface=""/>
+        <a:cs typeface=""/>
+        <a:font script="Jpan" typeface="游ゴシック Light"/>
+        <a:font script="Hang" typeface="맑은 고딕"/>
+        <a:font script="Hans" typeface="等线 Light"/>
+        <a:font script="Hant" typeface="新細明體"/>
+        <a:font script="Arab" typeface="Times New Roman"/>
+        <a:font script="Hebr" typeface="Times New Roman"/>
+        <a:font script="Thai" typeface="Angsana New"/>
+        <a:font script="Ethi" typeface="Nyala"/>
+        <a:font script="Beng" typeface="Vrinda"/>
+        <a:font script="Gujr" typeface="Shruti"/>
+        <a:font script="Khmr" typeface="MoolBoran"/>
+        <a:font script="Knda" typeface="Tunga"/>
+        <a:font script="Guru" typeface="Raavi"/>
+        <a:font script="Cans" typeface="Euphemia"/>
+        <a:font script="Cher" typeface="Plantagenet Cherokee"/>
+        <a:font script="Yiii" typeface="Microsoft Yi Baiti"/>
+        <a:font script="Tibt" typeface="Microsoft Himalaya"/>
+        <a:font script="Thaa" typeface="MV Boli"/>
+        <a:font script="Deva" typeface="Mangal"/>
+        <a:font script="Telu" typeface="Gautami"/>
+        <a:font script="Taml" typeface="Latha"/>
+        <a:font script="Syrc" typeface="Estrangelo Edessa"/>
+        <a:font script="Orya" typeface="Kalinga"/>
+        <a:font script="Mlym" typeface="Kartika"/>
+        <a:font script="Laoo" typeface="DokChampa"/>
+        <a:font script="Sinh" typeface="Iskoola Pota"/>
+        <a:font script="Mong" typeface="Mongolian Baiti"/>
+        <a:font script="Viet" typeface="Times New Roman"/>
+        <a:font script="Uigh" typeface="Microsoft Uighur"/>
+        <a:font script="Geor" typeface="Sylfaen"/>
+      </a:majorFont>
+      <a:minorFont>
+        <a:latin typeface="Calibri" panose="020F0502020204030204"/>
+        <a:ea typeface=""/>
+        <a:cs typeface=""/>
+        <a:font script="Jpan" typeface="游ゴシック"/>
+        <a:font script="Hang" typeface="맑은 고딕"/>
+        <a:font script="Hans" typeface="等线"/>
+        <a:font script="Hant" typeface="新細明體"/>
+        <a:font script="Arab" typeface="Arial"/>
+        <a:font script="Hebr" typeface="Arial"/>
+        <a:font script="Thai" typeface="Cordia New"/>
+        <a:font script="Ethi" typeface="Nyala"/>
+        <a:font script="Beng" typeface="Vrinda"/>
+        <a:font script="Gujr" typeface="Shruti"/>
+        <a:font script="Khmr" typeface="DaunPenh"/>
+        <a:font script="Knda" typeface="Tunga"/>
+        <a:font script="Guru" typeface="Raavi"/>
+        <a:font script="Cans" typeface="Euphemia"/>
+        <a:font script="Cher" typeface="Plantagenet Cherokee"/>
+        <a:font script="Yiii" typeface="Microsoft Yi Baiti"/>
+        <a:font script="Tibt" typeface="Microsoft Himalaya"/>
+        <a:font script="Thaa" typeface="MV Boli"/>
+        <a:font script="Deva" typeface="Mangal"/>
+        <a:font script="Telu" typeface="Gautami"/>
+        <a:font script="Taml" typeface="Latha"/>
+        <a:font script="Syrc" typeface="Estrangelo Edessa"/>
+        <a:font script="Orya" typeface="Kalinga"/>
+        <a:font script="Mlym" typeface="Kartika"/>
+        <a:font script="Laoo" typeface="DokChampa"/>
+        <a:font script="Sinh" typeface="Iskoola Pota"/>
+        <a:font script="Mong" typeface="Mongolian Baiti"/>
+        <a:font script="Viet" typeface="Arial"/>
+        <a:font script="Uigh" typeface="Microsoft Uighur"/>
+        <a:font script="Geor" typeface="Sylfaen"/>
+      </a:minorFont>
+    </a:fontScheme>
+    <a:fmtScheme name="Office">
+      <a:fillStyleLst>
+        <a:solidFill>
+          <a:schemeClr val="phClr"/>
+        </a:solidFill>
+        <a:gradFill rotWithShape="1">
+          <a:gsLst>
+            <a:gs pos="0">
+              <a:schemeClr val="phClr">
+                <a:lumMod val="110000"/>
+                <a:satMod val="105000"/>
+                <a:tint val="67000"/>
+              </a:schemeClr>
+            </a:gs>
+            <a:gs pos="50000">
+              <a:schemeClr val="phClr">
+                <a:lumMod val="105000"/>
+                <a:satMod val="103000"/>
+                <a:tint val="73000"/>
+              </a:schemeClr>
+            </a:gs>
+            <a:gs pos="100000">
+              <a:schemeClr val="phClr">
+                <a:lumMod val="105000"/>
+                <a:satMod val="109000"/>
+                <a:tint val="81000"/>
+              </a:schemeClr>
+            </a:gs>
+          </a:gsLst>
+          <a:lin ang="5400000" scaled="0"/>
+        </a:gradFill>
+        <a:gradFill rotWithShape="1">
+          <a:gsLst>
+            <a:gs pos="0">
+              <a:schemeClr val="phClr">
+                <a:satMod val="103000"/>
+                <a:lumMod val="102000"/>
+                <a:tint val="94000"/>
+              </a:schemeClr>
+            </a:gs>
+            <a:gs pos="50000">
+              <a:schemeClr val="phClr">
+                <a:satMod val="110000"/>
+                <a:lumMod val="100000"/>
+                <a:shade val="100000"/>
+              </a:schemeClr>
+            </a:gs>
+            <a:gs pos="100000">
+              <a:schemeClr val="phClr">
+                <a:lumMod val="99000"/>
+                <a:satMod val="120000"/>
+                <a:shade val="78000"/>
+              </a:schemeClr>
+            </a:gs>
+          </a:gsLst>
+          <a:lin ang="5400000" scaled="0"/>
+        </a:gradFill>
+      </a:fillStyleLst>
+      <a:lnStyleLst>
+        <a:ln w="6350" cap="flat" cmpd="sng" algn="ctr">
+          <a:solidFill>
+            <a:schemeClr val="phClr"/>
+          </a:solidFill>
+          <a:prstDash val="solid"/>
+          <a:miter lim="800000"/>
+        </a:ln>
+        <a:ln w="12700" cap="flat" cmpd="sng" algn="ctr">
+          <a:solidFill>
+            <a:schemeClr val="phClr"/>
+          </a:solidFill>
+          <a:prstDash val="solid"/>
+          <a:miter lim="800000"/>
+        </a:ln>
+        <a:ln w="19050" cap="flat" cmpd="sng" algn="ctr">
+          <a:solidFill>
+            <a:schemeClr val="phClr"/>
+          </a:solidFill>
+          <a:prstDash val="solid"/>
+          <a:miter lim="800000"/>
+        </a:ln>
+      </a:lnStyleLst>
+      <a:effectStyleLst>
+        <a:effectStyle>
+          <a:effectLst/>
+        </a:effectStyle>
+        <a:effectStyle>
+          <a:effectLst/>
+        </a:effectStyle>
+        <a:effectStyle>
+          <a:effectLst>
+            <a:outerShdw blurRad="57150" dist="19050" dir="5400000" algn="ctr" rotWithShape="0">
+              <a:srgbClr val="000000">
+                <a:alpha val="63000"/>
+              </a:srgbClr>
+            </a:outerShdw>
+          </a:effectLst>
+        </a:effectStyle>
+      </a:effectStyleLst>
+      <a:bgFillStyleLst>
+        <a:solidFill>
+          <a:schemeClr val="phClr"/>
+        </a:solidFill>
+        <a:solidFill>
+          <a:schemeClr val="phClr">
+            <a:tint val="95000"/>
+            <a:satMod val="170000"/>
+          </a:schemeClr>
+        </a:solidFill>
+        <a:gradFill rotWithShape="1">
+          <a:gsLst>
+            <a:gs pos="0">
+              <a:schemeClr val="phClr">
+                <a:tint val="93000"/>
+                <a:satMod val="150000"/>
+                <a:shade val="98000"/>
+                <a:lumMod val="102000"/>
+              </a:schemeClr>
+            </a:gs>
+            <a:gs pos="50000">
+              <a:schemeClr val="phClr">
+                <a:tint val="98000"/>
+                <a:satMod val="130000"/>
+                <a:shade val="90000"/>
+                <a:lumMod val="103000"/>
+              </a:schemeClr>
+            </a:gs>
+            <a:gs pos="100000">
+              <a:schemeClr val="phClr">
+                <a:shade val="63000"/>
+                <a:satMod val="120000"/>
+              </a:schemeClr>
+            </a:gs>
+          </a:gsLst>
+          <a:lin ang="5400000" scaled="0"/>
+        </a:gradFill>
+      </a:bgFillStyleLst>
+    </a:fmtScheme>
+  </a:themeElements>
+  <a:objectDefaults/>
+  <a:extraClrSchemeLst/>
+  <a:extLst>
+    <a:ext uri="{05A4C25C-085E-4340-85A3-A5531E510DB2}">
+      <thm15:themeFamily xmlns:thm15="http://schemas.microsoft.com/office/thememl/2012/main" name="Office Theme" id="{62F939B6-93AF-4DB8-9C6B-D6C7DFDC589F}" vid="{4A3C46E8-61CC-4603-A589-7422A47A8E4A}"/>
+    </a:ext>
+  </a:extLst>
+</a:theme>
+</file>
+
+<file path=ppt/theme/theme3.xml><?xml version="1.0" encoding="utf-8"?>
+<a:theme xmlns:a="http://schemas.openxmlformats.org/drawingml/2006/main" name="Office Theme">
+  <a:themeElements>
+    <a:clrScheme name="Office">
+      <a:dk1>
+        <a:sysClr val="windowText" lastClr="000000"/>
+      </a:dk1>
+      <a:lt1>
+        <a:sysClr val="window" lastClr="FFFFFF"/>
+      </a:lt1>
+      <a:dk2>
+        <a:srgbClr val="44546A"/>
+      </a:dk2>
+      <a:lt2>
+        <a:srgbClr val="E7E6E6"/>
+      </a:lt2>
+      <a:accent1>
+        <a:srgbClr val="5B9BD5"/>
+      </a:accent1>
+      <a:accent2>
+        <a:srgbClr val="ED7D31"/>
+      </a:accent2>
+      <a:accent3>
+        <a:srgbClr val="A5A5A5"/>
+      </a:accent3>
+      <a:accent4>
+        <a:srgbClr val="FFC000"/>
+      </a:accent4>
+      <a:accent5>
+        <a:srgbClr val="4472C4"/>
+      </a:accent5>
+      <a:accent6>
+        <a:srgbClr val="70AD47"/>
+      </a:accent6>
+      <a:hlink>
+        <a:srgbClr val="0563C1"/>
+      </a:hlink>
+      <a:folHlink>
+        <a:srgbClr val="954F72"/>
+      </a:folHlink>
+    </a:clrScheme>
+    <a:fontScheme name="Office">
+      <a:majorFont>
+        <a:latin typeface="Calibri Light" panose="020F0302020204030204"/>
+        <a:ea typeface=""/>
+        <a:cs typeface=""/>
+        <a:font script="Jpan" typeface="游ゴシック Light"/>
+        <a:font script="Hang" typeface="맑은 고딕"/>
+        <a:font script="Hans" typeface="等线 Light"/>
+        <a:font script="Hant" typeface="新細明體"/>
+        <a:font script="Arab" typeface="Times New Roman"/>
+        <a:font script="Hebr" typeface="Times New Roman"/>
+        <a:font script="Thai" typeface="Angsana New"/>
+        <a:font script="Ethi" typeface="Nyala"/>
+        <a:font script="Beng" typeface="Vrinda"/>
+        <a:font script="Gujr" typeface="Shruti"/>
+        <a:font script="Khmr" typeface="MoolBoran"/>
+        <a:font script="Knda" typeface="Tunga"/>
+        <a:font script="Guru" typeface="Raavi"/>
+        <a:font script="Cans" typeface="Euphemia"/>
+        <a:font script="Cher" typeface="Plantagenet Cherokee"/>
+        <a:font script="Yiii" typeface="Microsoft Yi Baiti"/>
+        <a:font script="Tibt" typeface="Microsoft Himalaya"/>
+        <a:font script="Thaa" typeface="MV Boli"/>
+        <a:font script="Deva" typeface="Mangal"/>
+        <a:font script="Telu" typeface="Gautami"/>
+        <a:font script="Taml" typeface="Latha"/>
+        <a:font script="Syrc" typeface="Estrangelo Edessa"/>
+        <a:font script="Orya" typeface="Kalinga"/>
+        <a:font script="Mlym" typeface="Kartika"/>
+        <a:font script="Laoo" typeface="DokChampa"/>
+        <a:font script="Sinh" typeface="Iskoola Pota"/>
+        <a:font script="Mong" typeface="Mongolian Baiti"/>
+        <a:font script="Viet" typeface="Times New Roman"/>
+        <a:font script="Uigh" typeface="Microsoft Uighur"/>
+        <a:font script="Geor" typeface="Sylfaen"/>
+      </a:majorFont>
+      <a:minorFont>
+        <a:latin typeface="Calibri" panose="020F0502020204030204"/>
+        <a:ea typeface=""/>
+        <a:cs typeface=""/>
+        <a:font script="Jpan" typeface="游ゴシック"/>
+        <a:font script="Hang" typeface="맑은 고딕"/>
+        <a:font script="Hans" typeface="等线"/>
+        <a:font script="Hant" typeface="新細明體"/>
+        <a:font script="Arab" typeface="Arial"/>
+        <a:font script="Hebr" typeface="Arial"/>
+        <a:font script="Thai" typeface="Cordia New"/>
+        <a:font script="Ethi" typeface="Nyala"/>
+        <a:font script="Beng" typeface="Vrinda"/>
+        <a:font script="Gujr" typeface="Shruti"/>
+        <a:font script="Khmr" typeface="DaunPenh"/>
+        <a:font script="Knda" typeface="Tunga"/>
+        <a:font script="Guru" typeface="Raavi"/>
+        <a:font script="Cans" typeface="Euphemia"/>
+        <a:font script="Cher" typeface="Plantagenet Cherokee"/>
+        <a:font script="Yiii" typeface="Microsoft Yi Baiti"/>
+        <a:font script="Tibt" typeface="Microsoft Himalaya"/>
+        <a:font script="Thaa" typeface="MV Boli"/>
+        <a:font script="Deva" typeface="Mangal"/>
+        <a:font script="Telu" typeface="Gautami"/>
+        <a:font script="Taml" typeface="Latha"/>
+        <a:font script="Syrc" typeface="Estrangelo Edessa"/>
+        <a:font script="Orya" typeface="Kalinga"/>
+        <a:font script="Mlym" typeface="Kartika"/>
+        <a:font script="Laoo" typeface="DokChampa"/>
+        <a:font script="Sinh" typeface="Iskoola Pota"/>
+        <a:font script="Mong" typeface="Mongolian Baiti"/>
+        <a:font script="Viet" typeface="Arial"/>
+        <a:font script="Uigh" typeface="Microsoft Uighur"/>
+        <a:font script="Geor" typeface="Sylfaen"/>
+      </a:minorFont>
+    </a:fontScheme>
+    <a:fmtScheme name="Office">
+      <a:fillStyleLst>
+        <a:solidFill>
+          <a:schemeClr val="phClr"/>
+        </a:solidFill>
+        <a:gradFill rotWithShape="1">
+          <a:gsLst>
+            <a:gs pos="0">
+              <a:schemeClr val="phClr">
+                <a:lumMod val="110000"/>
+                <a:satMod val="105000"/>
+                <a:tint val="67000"/>
+              </a:schemeClr>
+            </a:gs>
+            <a:gs pos="50000">
+              <a:schemeClr val="phClr">
+                <a:lumMod val="105000"/>
+                <a:satMod val="103000"/>
+                <a:tint val="73000"/>
+              </a:schemeClr>
+            </a:gs>
+            <a:gs pos="100000">
+              <a:schemeClr val="phClr">
+                <a:lumMod val="105000"/>
+                <a:satMod val="109000"/>
+                <a:tint val="81000"/>
+              </a:schemeClr>
+            </a:gs>
+          </a:gsLst>
+          <a:lin ang="5400000" scaled="0"/>
+        </a:gradFill>
+        <a:gradFill rotWithShape="1">
+          <a:gsLst>
+            <a:gs pos="0">
+              <a:schemeClr val="phClr">
+                <a:satMod val="103000"/>
+                <a:lumMod val="102000"/>
+                <a:tint val="94000"/>
+              </a:schemeClr>
+            </a:gs>
+            <a:gs pos="50000">
+              <a:schemeClr val="phClr">
+                <a:satMod val="110000"/>
+                <a:lumMod val="100000"/>
+                <a:shade val="100000"/>
+              </a:schemeClr>
+            </a:gs>
+            <a:gs pos="100000">
+              <a:schemeClr val="phClr">
+                <a:lumMod val="99000"/>
+                <a:satMod val="120000"/>
+                <a:shade val="78000"/>
+              </a:schemeClr>
+            </a:gs>
+          </a:gsLst>
+          <a:lin ang="5400000" scaled="0"/>
+        </a:gradFill>
+      </a:fillStyleLst>
+      <a:lnStyleLst>
+        <a:ln w="6350" cap="flat" cmpd="sng" algn="ctr">
+          <a:solidFill>
+            <a:schemeClr val="phClr"/>
+          </a:solidFill>
+          <a:prstDash val="solid"/>
+          <a:miter lim="800000"/>
+        </a:ln>
+        <a:ln w="12700" cap="flat" cmpd="sng" algn="ctr">
+          <a:solidFill>
+            <a:schemeClr val="phClr"/>
+          </a:solidFill>
+          <a:prstDash val="solid"/>
+          <a:miter lim="800000"/>
+        </a:ln>
+        <a:ln w="19050" cap="flat" cmpd="sng" algn="ctr">
+          <a:solidFill>
+            <a:schemeClr val="phClr"/>
+          </a:solidFill>
+          <a:prstDash val="solid"/>
+          <a:miter lim="800000"/>
+        </a:ln>
+      </a:lnStyleLst>
+      <a:effectStyleLst>
+        <a:effectStyle>
+          <a:effectLst/>
+        </a:effectStyle>
+        <a:effectStyle>
+          <a:effectLst/>
+        </a:effectStyle>
+        <a:effectStyle>
+          <a:effectLst>
+            <a:outerShdw blurRad="57150" dist="19050" dir="5400000" algn="ctr" rotWithShape="0">
+              <a:srgbClr val="000000">
+                <a:alpha val="63000"/>
+              </a:srgbClr>
+            </a:outerShdw>
+          </a:effectLst>
+        </a:effectStyle>
+      </a:effectStyleLst>
+      <a:bgFillStyleLst>
+        <a:solidFill>
+          <a:schemeClr val="phClr"/>
+        </a:solidFill>
+        <a:solidFill>
+          <a:schemeClr val="phClr">
+            <a:tint val="95000"/>
+            <a:satMod val="170000"/>
+          </a:schemeClr>
+        </a:solidFill>
+        <a:gradFill rotWithShape="1">
+          <a:gsLst>
+            <a:gs pos="0">
+              <a:schemeClr val="phClr">
+                <a:tint val="93000"/>
+                <a:satMod val="150000"/>
+                <a:shade val="98000"/>
+                <a:lumMod val="102000"/>
+              </a:schemeClr>
+            </a:gs>
+            <a:gs pos="50000">
+              <a:schemeClr val="phClr">
+                <a:tint val="98000"/>
+                <a:satMod val="130000"/>
+                <a:shade val="90000"/>
+                <a:lumMod val="103000"/>
+              </a:schemeClr>
+            </a:gs>
+            <a:gs pos="100000">
+              <a:schemeClr val="phClr">
+                <a:shade val="63000"/>
+                <a:satMod val="120000"/>
+              </a:schemeClr>
+            </a:gs>
+          </a:gsLst>
+          <a:lin ang="5400000" scaled="0"/>
+        </a:gradFill>
+      </a:bgFillStyleLst>
+    </a:fmtScheme>
+  </a:themeElements>
+  <a:objectDefaults/>
+  <a:extraClrSchemeLst/>
+  <a:extLst>
+    <a:ext uri="{05A4C25C-085E-4340-85A3-A5531E510DB2}">
+      <thm15:themeFamily xmlns:thm15="http://schemas.microsoft.com/office/thememl/2012/main" name="Office Theme" id="{62F939B6-93AF-4DB8-9C6B-D6C7DFDC589F}" vid="{4A3C46E8-61CC-4603-A589-7422A47A8E4A}"/>
+    </a:ext>
+  </a:extLst>
+</a:theme>
 </file>